--- a/Presentation.pptx
+++ b/Presentation.pptx
@@ -5,10 +5,10 @@
     <p:sldMasterId id="2147483648" r:id="rId1"/>
   </p:sldMasterIdLst>
   <p:notesMasterIdLst>
-    <p:notesMasterId r:id="rId69"/>
+    <p:notesMasterId r:id="rId79"/>
   </p:notesMasterIdLst>
   <p:handoutMasterIdLst>
-    <p:handoutMasterId r:id="rId70"/>
+    <p:handoutMasterId r:id="rId80"/>
   </p:handoutMasterIdLst>
   <p:sldIdLst>
     <p:sldId id="493" r:id="rId2"/>
@@ -77,7 +77,17 @@
     <p:sldId id="774" r:id="rId65"/>
     <p:sldId id="775" r:id="rId66"/>
     <p:sldId id="773" r:id="rId67"/>
-    <p:sldId id="729" r:id="rId68"/>
+    <p:sldId id="776" r:id="rId68"/>
+    <p:sldId id="791" r:id="rId69"/>
+    <p:sldId id="792" r:id="rId70"/>
+    <p:sldId id="793" r:id="rId71"/>
+    <p:sldId id="794" r:id="rId72"/>
+    <p:sldId id="778" r:id="rId73"/>
+    <p:sldId id="779" r:id="rId74"/>
+    <p:sldId id="780" r:id="rId75"/>
+    <p:sldId id="788" r:id="rId76"/>
+    <p:sldId id="790" r:id="rId77"/>
+    <p:sldId id="729" r:id="rId78"/>
   </p:sldIdLst>
   <p:sldSz cx="12192000" cy="6858000"/>
   <p:notesSz cx="9928225" cy="6797675"/>
@@ -270,6 +280,16 @@
             <p14:sldId id="774"/>
             <p14:sldId id="775"/>
             <p14:sldId id="773"/>
+            <p14:sldId id="776"/>
+            <p14:sldId id="791"/>
+            <p14:sldId id="792"/>
+            <p14:sldId id="793"/>
+            <p14:sldId id="794"/>
+            <p14:sldId id="778"/>
+            <p14:sldId id="779"/>
+            <p14:sldId id="780"/>
+            <p14:sldId id="788"/>
+            <p14:sldId id="790"/>
             <p14:sldId id="729"/>
           </p14:sldIdLst>
         </p14:section>
@@ -378,7 +398,7 @@
           <a:p>
             <a:fld id="{CD54E0B9-A397-428E-BA01-CD7A34B572EB}" type="datetimeFigureOut">
               <a:rPr lang="en-US" smtClean="0"/>
-              <a:t>5/18/2017</a:t>
+              <a:t>5/21/2017</a:t>
             </a:fld>
             <a:endParaRPr lang="en-US"/>
           </a:p>
@@ -543,7 +563,7 @@
           <a:p>
             <a:fld id="{AA161301-18C9-4CA0-A0BF-791B6E0DDD4D}" type="datetimeFigureOut">
               <a:rPr lang="en-GB" smtClean="0"/>
-              <a:t>18/05/2017</a:t>
+              <a:t>20/05/2017</a:t>
             </a:fld>
             <a:endParaRPr lang="en-GB"/>
           </a:p>
@@ -22937,7 +22957,7 @@
       </p:grpSpPr>
       <p:sp>
         <p:nvSpPr>
-          <p:cNvPr id="4" name="Title 3"/>
+          <p:cNvPr id="5" name="Title 4"/>
           <p:cNvSpPr>
             <a:spLocks noGrp="1"/>
           </p:cNvSpPr>
@@ -22952,15 +22972,16 @@
           <a:p>
             <a:r>
               <a:rPr lang="en-US" dirty="0"/>
-              <a:t>Thank you!</a:t>
-            </a:r>
+              <a:t>ASP.NET Core Identity</a:t>
+            </a:r>
+            <a:endParaRPr lang="ro-RO" dirty="0"/>
           </a:p>
         </p:txBody>
       </p:sp>
     </p:spTree>
     <p:extLst>
       <p:ext uri="{BB962C8B-B14F-4D97-AF65-F5344CB8AC3E}">
-        <p14:creationId xmlns:p14="http://schemas.microsoft.com/office/powerpoint/2010/main" val="3366205155"/>
+        <p14:creationId xmlns:p14="http://schemas.microsoft.com/office/powerpoint/2010/main" val="782001077"/>
       </p:ext>
     </p:extLst>
   </p:cSld>
@@ -22975,6 +22996,870 @@
     </mc:Choice>
     <mc:Fallback xmlns="">
       <p:transition spd="med" advClick="0" advTm="1500">
+        <p:fade/>
+      </p:transition>
+    </mc:Fallback>
+  </mc:AlternateContent>
+</p:sld>
+</file>
+
+<file path=ppt/slides/slide68.xml><?xml version="1.0" encoding="utf-8"?>
+<p:sld xmlns:a="http://schemas.openxmlformats.org/drawingml/2006/main" xmlns:r="http://schemas.openxmlformats.org/officeDocument/2006/relationships" xmlns:p="http://schemas.openxmlformats.org/presentationml/2006/main">
+  <p:cSld>
+    <p:spTree>
+      <p:nvGrpSpPr>
+        <p:cNvPr id="1" name=""/>
+        <p:cNvGrpSpPr/>
+        <p:nvPr/>
+      </p:nvGrpSpPr>
+      <p:grpSpPr>
+        <a:xfrm>
+          <a:off x="0" y="0"/>
+          <a:ext cx="0" cy="0"/>
+          <a:chOff x="0" y="0"/>
+          <a:chExt cx="0" cy="0"/>
+        </a:xfrm>
+      </p:grpSpPr>
+      <p:sp>
+        <p:nvSpPr>
+          <p:cNvPr id="3" name="Title 2"/>
+          <p:cNvSpPr>
+            <a:spLocks noGrp="1"/>
+          </p:cNvSpPr>
+          <p:nvPr>
+            <p:ph type="title"/>
+          </p:nvPr>
+        </p:nvSpPr>
+        <p:spPr/>
+        <p:txBody>
+          <a:bodyPr/>
+          <a:lstStyle/>
+          <a:p>
+            <a:endParaRPr lang="en-US"/>
+          </a:p>
+        </p:txBody>
+      </p:sp>
+      <p:sp>
+        <p:nvSpPr>
+          <p:cNvPr id="4" name="Content Placeholder 3"/>
+          <p:cNvSpPr>
+            <a:spLocks noGrp="1"/>
+          </p:cNvSpPr>
+          <p:nvPr>
+            <p:ph idx="1"/>
+          </p:nvPr>
+        </p:nvSpPr>
+        <p:spPr/>
+        <p:txBody>
+          <a:bodyPr/>
+          <a:lstStyle/>
+          <a:p>
+            <a:pPr marL="342900" indent="-342900">
+              <a:buFont typeface="Wingdings" panose="05000000000000000000" pitchFamily="2" charset="2"/>
+              <a:buChar char="§"/>
+            </a:pPr>
+            <a:r>
+              <a:rPr lang="en-US" dirty="0"/>
+              <a:t>ASP.NET Core Identity is an API from Microsoft to manage users in ASP.NET applications</a:t>
+            </a:r>
+          </a:p>
+          <a:p>
+            <a:pPr marL="342900" indent="-342900">
+              <a:buFont typeface="Wingdings" panose="05000000000000000000" pitchFamily="2" charset="2"/>
+              <a:buChar char="§"/>
+            </a:pPr>
+            <a:endParaRPr lang="en-US" dirty="0"/>
+          </a:p>
+          <a:p>
+            <a:pPr marL="342900" indent="-342900">
+              <a:buFont typeface="Wingdings" panose="05000000000000000000" pitchFamily="2" charset="2"/>
+              <a:buChar char="§"/>
+            </a:pPr>
+            <a:r>
+              <a:rPr lang="en-US" dirty="0"/>
+              <a:t>Package:</a:t>
+            </a:r>
+          </a:p>
+          <a:p>
+            <a:pPr marL="597150" lvl="1" indent="-342900">
+              <a:buFont typeface="Wingdings" panose="05000000000000000000" pitchFamily="2" charset="2"/>
+              <a:buChar char="§"/>
+            </a:pPr>
+            <a:r>
+              <a:rPr lang="en-US" dirty="0" err="1"/>
+              <a:t>Microsoft.AspNetCore.Identity.EntityFrameworkCore</a:t>
+            </a:r>
+            <a:endParaRPr lang="en-US" dirty="0"/>
+          </a:p>
+        </p:txBody>
+      </p:sp>
+      <p:sp>
+        <p:nvSpPr>
+          <p:cNvPr id="5" name="Text Placeholder 4"/>
+          <p:cNvSpPr>
+            <a:spLocks noGrp="1"/>
+          </p:cNvSpPr>
+          <p:nvPr>
+            <p:ph type="body" sz="quarter" idx="10"/>
+          </p:nvPr>
+        </p:nvSpPr>
+        <p:spPr/>
+        <p:txBody>
+          <a:bodyPr/>
+          <a:lstStyle/>
+          <a:p>
+            <a:r>
+              <a:rPr lang="en-US" dirty="0"/>
+              <a:t>ASP.NET Core Identity</a:t>
+            </a:r>
+          </a:p>
+        </p:txBody>
+      </p:sp>
+    </p:spTree>
+    <p:extLst>
+      <p:ext uri="{BB962C8B-B14F-4D97-AF65-F5344CB8AC3E}">
+        <p14:creationId xmlns:p14="http://schemas.microsoft.com/office/powerpoint/2010/main" val="93751407"/>
+      </p:ext>
+    </p:extLst>
+  </p:cSld>
+  <p:clrMapOvr>
+    <a:masterClrMapping/>
+  </p:clrMapOvr>
+  <mc:AlternateContent xmlns:mc="http://schemas.openxmlformats.org/markup-compatibility/2006" xmlns:p14="http://schemas.microsoft.com/office/powerpoint/2010/main">
+    <mc:Choice Requires="p14">
+      <p:transition spd="med" p14:dur="700">
+        <p:fade/>
+      </p:transition>
+    </mc:Choice>
+    <mc:Fallback xmlns="">
+      <p:transition spd="med">
+        <p:fade/>
+      </p:transition>
+    </mc:Fallback>
+  </mc:AlternateContent>
+</p:sld>
+</file>
+
+<file path=ppt/slides/slide69.xml><?xml version="1.0" encoding="utf-8"?>
+<p:sld xmlns:a="http://schemas.openxmlformats.org/drawingml/2006/main" xmlns:r="http://schemas.openxmlformats.org/officeDocument/2006/relationships" xmlns:p="http://schemas.openxmlformats.org/presentationml/2006/main">
+  <p:cSld>
+    <p:spTree>
+      <p:nvGrpSpPr>
+        <p:cNvPr id="1" name=""/>
+        <p:cNvGrpSpPr/>
+        <p:nvPr/>
+      </p:nvGrpSpPr>
+      <p:grpSpPr>
+        <a:xfrm>
+          <a:off x="0" y="0"/>
+          <a:ext cx="0" cy="0"/>
+          <a:chOff x="0" y="0"/>
+          <a:chExt cx="0" cy="0"/>
+        </a:xfrm>
+      </p:grpSpPr>
+      <p:sp>
+        <p:nvSpPr>
+          <p:cNvPr id="3" name="Title 2"/>
+          <p:cNvSpPr>
+            <a:spLocks noGrp="1"/>
+          </p:cNvSpPr>
+          <p:nvPr>
+            <p:ph type="title"/>
+          </p:nvPr>
+        </p:nvSpPr>
+        <p:spPr/>
+        <p:txBody>
+          <a:bodyPr/>
+          <a:lstStyle/>
+          <a:p>
+            <a:r>
+              <a:rPr lang="en-US" dirty="0"/>
+              <a:t>ASP.NET Core Identity</a:t>
+            </a:r>
+          </a:p>
+        </p:txBody>
+      </p:sp>
+      <p:graphicFrame>
+        <p:nvGraphicFramePr>
+          <p:cNvPr id="6" name="Content Placeholder 5"/>
+          <p:cNvGraphicFramePr>
+            <a:graphicFrameLocks noGrp="1"/>
+          </p:cNvGraphicFramePr>
+          <p:nvPr>
+            <p:ph idx="1"/>
+            <p:extLst>
+              <p:ext uri="{D42A27DB-BD31-4B8C-83A1-F6EECF244321}">
+                <p14:modId xmlns:p14="http://schemas.microsoft.com/office/powerpoint/2010/main" val="3626759784"/>
+              </p:ext>
+            </p:extLst>
+          </p:nvPr>
+        </p:nvGraphicFramePr>
+        <p:xfrm>
+          <a:off x="431370" y="1556792"/>
+          <a:ext cx="10968142" cy="4721086"/>
+        </p:xfrm>
+        <a:graphic>
+          <a:graphicData uri="http://schemas.openxmlformats.org/drawingml/2006/table">
+            <a:tbl>
+              <a:tblPr bandRow="1">
+                <a:tableStyleId>{793D81CF-94F2-401A-BA57-92F5A7B2D0C5}</a:tableStyleId>
+              </a:tblPr>
+              <a:tblGrid>
+                <a:gridCol w="2304255">
+                  <a:extLst>
+                    <a:ext uri="{9D8B030D-6E8A-4147-A177-3AD203B41FA5}">
+                      <a16:colId xmlns:a16="http://schemas.microsoft.com/office/drawing/2014/main" val="888297048"/>
+                    </a:ext>
+                  </a:extLst>
+                </a:gridCol>
+                <a:gridCol w="8663887">
+                  <a:extLst>
+                    <a:ext uri="{9D8B030D-6E8A-4147-A177-3AD203B41FA5}">
+                      <a16:colId xmlns:a16="http://schemas.microsoft.com/office/drawing/2014/main" val="268464170"/>
+                    </a:ext>
+                  </a:extLst>
+                </a:gridCol>
+              </a:tblGrid>
+              <a:tr h="481677">
+                <a:tc>
+                  <a:txBody>
+                    <a:bodyPr/>
+                    <a:lstStyle/>
+                    <a:p>
+                      <a:r>
+                        <a:rPr lang="en-US" sz="2000" dirty="0" err="1">
+                          <a:hlinkClick r:id="rId2"/>
+                        </a:rPr>
+                        <a:t>AccessFailedCount</a:t>
+                      </a:r>
+                      <a:endParaRPr lang="en-US" sz="2000" dirty="0"/>
+                    </a:p>
+                  </a:txBody>
+                  <a:tcPr marL="21298" marR="21298" marT="10649" marB="10649" anchor="ctr"/>
+                </a:tc>
+                <a:tc>
+                  <a:txBody>
+                    <a:bodyPr/>
+                    <a:lstStyle/>
+                    <a:p>
+                      <a:r>
+                        <a:rPr lang="en-US" sz="2000" dirty="0"/>
+                        <a:t>Gets or sets the number of failures for the purposes of lockout.(Inherited from </a:t>
+                      </a:r>
+                      <a:r>
+                        <a:rPr lang="en-US" sz="2000" dirty="0" err="1">
+                          <a:hlinkClick r:id="rId3"/>
+                        </a:rPr>
+                        <a:t>IdentityUser</a:t>
+                      </a:r>
+                      <a:r>
+                        <a:rPr lang="en-US" sz="2000" dirty="0">
+                          <a:hlinkClick r:id="rId3"/>
+                        </a:rPr>
+                        <a:t>(Of </a:t>
+                      </a:r>
+                      <a:r>
+                        <a:rPr lang="en-US" sz="2000" dirty="0" err="1">
+                          <a:hlinkClick r:id="rId3"/>
+                        </a:rPr>
+                        <a:t>TKey</a:t>
+                      </a:r>
+                      <a:r>
+                        <a:rPr lang="en-US" sz="2000" dirty="0">
+                          <a:hlinkClick r:id="rId3"/>
+                        </a:rPr>
+                        <a:t>, </a:t>
+                      </a:r>
+                      <a:r>
+                        <a:rPr lang="en-US" sz="2000" dirty="0" err="1">
+                          <a:hlinkClick r:id="rId3"/>
+                        </a:rPr>
+                        <a:t>TLogin</a:t>
+                      </a:r>
+                      <a:r>
+                        <a:rPr lang="en-US" sz="2000" dirty="0">
+                          <a:hlinkClick r:id="rId3"/>
+                        </a:rPr>
+                        <a:t>, </a:t>
+                      </a:r>
+                      <a:r>
+                        <a:rPr lang="en-US" sz="2000" dirty="0" err="1">
+                          <a:hlinkClick r:id="rId3"/>
+                        </a:rPr>
+                        <a:t>TRole</a:t>
+                      </a:r>
+                      <a:r>
+                        <a:rPr lang="en-US" sz="2000" dirty="0">
+                          <a:hlinkClick r:id="rId3"/>
+                        </a:rPr>
+                        <a:t>, </a:t>
+                      </a:r>
+                      <a:r>
+                        <a:rPr lang="en-US" sz="2000" dirty="0" err="1">
+                          <a:hlinkClick r:id="rId3"/>
+                        </a:rPr>
+                        <a:t>TClaim</a:t>
+                      </a:r>
+                      <a:r>
+                        <a:rPr lang="en-US" sz="2000" dirty="0">
+                          <a:hlinkClick r:id="rId3"/>
+                        </a:rPr>
+                        <a:t>)</a:t>
+                      </a:r>
+                      <a:r>
+                        <a:rPr lang="en-US" sz="2000" dirty="0"/>
+                        <a:t>.)</a:t>
+                      </a:r>
+                    </a:p>
+                  </a:txBody>
+                  <a:tcPr marL="21298" marR="21298" marT="10649" marB="10649" anchor="ctr"/>
+                </a:tc>
+                <a:extLst>
+                  <a:ext uri="{0D108BD9-81ED-4DB2-BD59-A6C34878D82A}">
+                    <a16:rowId xmlns:a16="http://schemas.microsoft.com/office/drawing/2014/main" val="1397501849"/>
+                  </a:ext>
+                </a:extLst>
+              </a:tr>
+              <a:tr h="481677">
+                <a:tc>
+                  <a:txBody>
+                    <a:bodyPr/>
+                    <a:lstStyle/>
+                    <a:p>
+                      <a:r>
+                        <a:rPr lang="en-US" sz="2000" dirty="0">
+                          <a:hlinkClick r:id="rId4"/>
+                        </a:rPr>
+                        <a:t>Email</a:t>
+                      </a:r>
+                      <a:endParaRPr lang="en-US" sz="2000" dirty="0"/>
+                    </a:p>
+                  </a:txBody>
+                  <a:tcPr marL="21298" marR="21298" marT="10649" marB="10649" anchor="ctr"/>
+                </a:tc>
+                <a:tc>
+                  <a:txBody>
+                    <a:bodyPr/>
+                    <a:lstStyle/>
+                    <a:p>
+                      <a:r>
+                        <a:rPr lang="en-US" sz="2000" dirty="0"/>
+                        <a:t>Gets or sets the email for the user.(Inherited from </a:t>
+                      </a:r>
+                      <a:r>
+                        <a:rPr lang="en-US" sz="2000" dirty="0" err="1">
+                          <a:hlinkClick r:id="rId3"/>
+                        </a:rPr>
+                        <a:t>IdentityUser</a:t>
+                      </a:r>
+                      <a:r>
+                        <a:rPr lang="en-US" sz="2000" dirty="0">
+                          <a:hlinkClick r:id="rId3"/>
+                        </a:rPr>
+                        <a:t>(Of </a:t>
+                      </a:r>
+                      <a:r>
+                        <a:rPr lang="en-US" sz="2000" dirty="0" err="1">
+                          <a:hlinkClick r:id="rId3"/>
+                        </a:rPr>
+                        <a:t>TKey</a:t>
+                      </a:r>
+                      <a:r>
+                        <a:rPr lang="en-US" sz="2000" dirty="0">
+                          <a:hlinkClick r:id="rId3"/>
+                        </a:rPr>
+                        <a:t>, </a:t>
+                      </a:r>
+                      <a:r>
+                        <a:rPr lang="en-US" sz="2000" dirty="0" err="1">
+                          <a:hlinkClick r:id="rId3"/>
+                        </a:rPr>
+                        <a:t>TLogin</a:t>
+                      </a:r>
+                      <a:r>
+                        <a:rPr lang="en-US" sz="2000" dirty="0">
+                          <a:hlinkClick r:id="rId3"/>
+                        </a:rPr>
+                        <a:t>, </a:t>
+                      </a:r>
+                      <a:r>
+                        <a:rPr lang="en-US" sz="2000" dirty="0" err="1">
+                          <a:hlinkClick r:id="rId3"/>
+                        </a:rPr>
+                        <a:t>TRole</a:t>
+                      </a:r>
+                      <a:r>
+                        <a:rPr lang="en-US" sz="2000" dirty="0">
+                          <a:hlinkClick r:id="rId3"/>
+                        </a:rPr>
+                        <a:t>, </a:t>
+                      </a:r>
+                      <a:r>
+                        <a:rPr lang="en-US" sz="2000" dirty="0" err="1">
+                          <a:hlinkClick r:id="rId3"/>
+                        </a:rPr>
+                        <a:t>TClaim</a:t>
+                      </a:r>
+                      <a:r>
+                        <a:rPr lang="en-US" sz="2000" dirty="0">
+                          <a:hlinkClick r:id="rId3"/>
+                        </a:rPr>
+                        <a:t>)</a:t>
+                      </a:r>
+                      <a:r>
+                        <a:rPr lang="en-US" sz="2000" dirty="0"/>
+                        <a:t>.)</a:t>
+                      </a:r>
+                    </a:p>
+                  </a:txBody>
+                  <a:tcPr marL="21298" marR="21298" marT="10649" marB="10649" anchor="ctr"/>
+                </a:tc>
+                <a:extLst>
+                  <a:ext uri="{0D108BD9-81ED-4DB2-BD59-A6C34878D82A}">
+                    <a16:rowId xmlns:a16="http://schemas.microsoft.com/office/drawing/2014/main" val="1815772355"/>
+                  </a:ext>
+                </a:extLst>
+              </a:tr>
+              <a:tr h="481677">
+                <a:tc>
+                  <a:txBody>
+                    <a:bodyPr/>
+                    <a:lstStyle/>
+                    <a:p>
+                      <a:r>
+                        <a:rPr lang="en-US" sz="2000" dirty="0" err="1">
+                          <a:hlinkClick r:id="rId5"/>
+                        </a:rPr>
+                        <a:t>EmailConfirmed</a:t>
+                      </a:r>
+                      <a:endParaRPr lang="en-US" sz="2000" dirty="0"/>
+                    </a:p>
+                  </a:txBody>
+                  <a:tcPr marL="21298" marR="21298" marT="10649" marB="10649" anchor="ctr"/>
+                </a:tc>
+                <a:tc>
+                  <a:txBody>
+                    <a:bodyPr/>
+                    <a:lstStyle/>
+                    <a:p>
+                      <a:r>
+                        <a:rPr lang="en-US" sz="2000" dirty="0"/>
+                        <a:t>Gets or sets a value that indicates whether the email is confirmed.(Inherited from </a:t>
+                      </a:r>
+                      <a:r>
+                        <a:rPr lang="en-US" sz="2000" dirty="0" err="1">
+                          <a:hlinkClick r:id="rId3"/>
+                        </a:rPr>
+                        <a:t>IdentityUser</a:t>
+                      </a:r>
+                      <a:r>
+                        <a:rPr lang="en-US" sz="2000" dirty="0">
+                          <a:hlinkClick r:id="rId3"/>
+                        </a:rPr>
+                        <a:t>(Of </a:t>
+                      </a:r>
+                      <a:r>
+                        <a:rPr lang="en-US" sz="2000" dirty="0" err="1">
+                          <a:hlinkClick r:id="rId3"/>
+                        </a:rPr>
+                        <a:t>TKey</a:t>
+                      </a:r>
+                      <a:r>
+                        <a:rPr lang="en-US" sz="2000" dirty="0">
+                          <a:hlinkClick r:id="rId3"/>
+                        </a:rPr>
+                        <a:t>, </a:t>
+                      </a:r>
+                      <a:r>
+                        <a:rPr lang="en-US" sz="2000" dirty="0" err="1">
+                          <a:hlinkClick r:id="rId3"/>
+                        </a:rPr>
+                        <a:t>TLogin</a:t>
+                      </a:r>
+                      <a:r>
+                        <a:rPr lang="en-US" sz="2000" dirty="0">
+                          <a:hlinkClick r:id="rId3"/>
+                        </a:rPr>
+                        <a:t>, </a:t>
+                      </a:r>
+                      <a:r>
+                        <a:rPr lang="en-US" sz="2000" dirty="0" err="1">
+                          <a:hlinkClick r:id="rId3"/>
+                        </a:rPr>
+                        <a:t>TRole</a:t>
+                      </a:r>
+                      <a:r>
+                        <a:rPr lang="en-US" sz="2000" dirty="0">
+                          <a:hlinkClick r:id="rId3"/>
+                        </a:rPr>
+                        <a:t>, </a:t>
+                      </a:r>
+                      <a:r>
+                        <a:rPr lang="en-US" sz="2000" dirty="0" err="1">
+                          <a:hlinkClick r:id="rId3"/>
+                        </a:rPr>
+                        <a:t>TClaim</a:t>
+                      </a:r>
+                      <a:r>
+                        <a:rPr lang="en-US" sz="2000" dirty="0">
+                          <a:hlinkClick r:id="rId3"/>
+                        </a:rPr>
+                        <a:t>)</a:t>
+                      </a:r>
+                      <a:r>
+                        <a:rPr lang="en-US" sz="2000" dirty="0"/>
+                        <a:t>.)</a:t>
+                      </a:r>
+                    </a:p>
+                  </a:txBody>
+                  <a:tcPr marL="21298" marR="21298" marT="10649" marB="10649" anchor="ctr"/>
+                </a:tc>
+                <a:extLst>
+                  <a:ext uri="{0D108BD9-81ED-4DB2-BD59-A6C34878D82A}">
+                    <a16:rowId xmlns:a16="http://schemas.microsoft.com/office/drawing/2014/main" val="2315373906"/>
+                  </a:ext>
+                </a:extLst>
+              </a:tr>
+              <a:tr h="481677">
+                <a:tc>
+                  <a:txBody>
+                    <a:bodyPr/>
+                    <a:lstStyle/>
+                    <a:p>
+                      <a:r>
+                        <a:rPr lang="en-US" sz="2000" dirty="0">
+                          <a:hlinkClick r:id="rId6"/>
+                        </a:rPr>
+                        <a:t>Id</a:t>
+                      </a:r>
+                      <a:endParaRPr lang="en-US" sz="2000" dirty="0"/>
+                    </a:p>
+                  </a:txBody>
+                  <a:tcPr marL="21298" marR="21298" marT="10649" marB="10649" anchor="ctr"/>
+                </a:tc>
+                <a:tc>
+                  <a:txBody>
+                    <a:bodyPr/>
+                    <a:lstStyle/>
+                    <a:p>
+                      <a:r>
+                        <a:rPr lang="en-US" sz="2000" dirty="0"/>
+                        <a:t>Gets or sets the user identifier.(Inherited from </a:t>
+                      </a:r>
+                      <a:r>
+                        <a:rPr lang="en-US" sz="2000" dirty="0" err="1">
+                          <a:hlinkClick r:id="rId3"/>
+                        </a:rPr>
+                        <a:t>IdentityUser</a:t>
+                      </a:r>
+                      <a:r>
+                        <a:rPr lang="en-US" sz="2000" dirty="0">
+                          <a:hlinkClick r:id="rId3"/>
+                        </a:rPr>
+                        <a:t>(Of </a:t>
+                      </a:r>
+                      <a:r>
+                        <a:rPr lang="en-US" sz="2000" dirty="0" err="1">
+                          <a:hlinkClick r:id="rId3"/>
+                        </a:rPr>
+                        <a:t>TKey</a:t>
+                      </a:r>
+                      <a:r>
+                        <a:rPr lang="en-US" sz="2000" dirty="0">
+                          <a:hlinkClick r:id="rId3"/>
+                        </a:rPr>
+                        <a:t>, </a:t>
+                      </a:r>
+                      <a:r>
+                        <a:rPr lang="en-US" sz="2000" dirty="0" err="1">
+                          <a:hlinkClick r:id="rId3"/>
+                        </a:rPr>
+                        <a:t>TLogin</a:t>
+                      </a:r>
+                      <a:r>
+                        <a:rPr lang="en-US" sz="2000" dirty="0">
+                          <a:hlinkClick r:id="rId3"/>
+                        </a:rPr>
+                        <a:t>, </a:t>
+                      </a:r>
+                      <a:r>
+                        <a:rPr lang="en-US" sz="2000" dirty="0" err="1">
+                          <a:hlinkClick r:id="rId3"/>
+                        </a:rPr>
+                        <a:t>TRole</a:t>
+                      </a:r>
+                      <a:r>
+                        <a:rPr lang="en-US" sz="2000" dirty="0">
+                          <a:hlinkClick r:id="rId3"/>
+                        </a:rPr>
+                        <a:t>, </a:t>
+                      </a:r>
+                      <a:r>
+                        <a:rPr lang="en-US" sz="2000" dirty="0" err="1">
+                          <a:hlinkClick r:id="rId3"/>
+                        </a:rPr>
+                        <a:t>TClaim</a:t>
+                      </a:r>
+                      <a:r>
+                        <a:rPr lang="en-US" sz="2000" dirty="0">
+                          <a:hlinkClick r:id="rId3"/>
+                        </a:rPr>
+                        <a:t>)</a:t>
+                      </a:r>
+                      <a:r>
+                        <a:rPr lang="en-US" sz="2000" dirty="0"/>
+                        <a:t>.)</a:t>
+                      </a:r>
+                    </a:p>
+                  </a:txBody>
+                  <a:tcPr marL="21298" marR="21298" marT="10649" marB="10649" anchor="ctr"/>
+                </a:tc>
+                <a:extLst>
+                  <a:ext uri="{0D108BD9-81ED-4DB2-BD59-A6C34878D82A}">
+                    <a16:rowId xmlns:a16="http://schemas.microsoft.com/office/drawing/2014/main" val="6548781"/>
+                  </a:ext>
+                </a:extLst>
+              </a:tr>
+              <a:tr h="481677">
+                <a:tc>
+                  <a:txBody>
+                    <a:bodyPr/>
+                    <a:lstStyle/>
+                    <a:p>
+                      <a:r>
+                        <a:rPr lang="en-US" sz="2000" dirty="0" err="1">
+                          <a:hlinkClick r:id="rId7"/>
+                        </a:rPr>
+                        <a:t>LockoutEnabled</a:t>
+                      </a:r>
+                      <a:endParaRPr lang="en-US" sz="2000" dirty="0"/>
+                    </a:p>
+                  </a:txBody>
+                  <a:tcPr marL="21298" marR="21298" marT="10649" marB="10649" anchor="ctr"/>
+                </a:tc>
+                <a:tc>
+                  <a:txBody>
+                    <a:bodyPr/>
+                    <a:lstStyle/>
+                    <a:p>
+                      <a:r>
+                        <a:rPr lang="en-US" sz="2000"/>
+                        <a:t>Gets or sets a value that indicates whether lockout enabled for this user.(Inherited from </a:t>
+                      </a:r>
+                      <a:r>
+                        <a:rPr lang="en-US" sz="2000">
+                          <a:hlinkClick r:id="rId3"/>
+                        </a:rPr>
+                        <a:t>IdentityUser(Of TKey, TLogin, TRole, TClaim)</a:t>
+                      </a:r>
+                      <a:r>
+                        <a:rPr lang="en-US" sz="2000"/>
+                        <a:t>.)</a:t>
+                      </a:r>
+                    </a:p>
+                  </a:txBody>
+                  <a:tcPr marL="21298" marR="21298" marT="10649" marB="10649" anchor="ctr"/>
+                </a:tc>
+                <a:extLst>
+                  <a:ext uri="{0D108BD9-81ED-4DB2-BD59-A6C34878D82A}">
+                    <a16:rowId xmlns:a16="http://schemas.microsoft.com/office/drawing/2014/main" val="1678605319"/>
+                  </a:ext>
+                </a:extLst>
+              </a:tr>
+              <a:tr h="714385">
+                <a:tc>
+                  <a:txBody>
+                    <a:bodyPr/>
+                    <a:lstStyle/>
+                    <a:p>
+                      <a:r>
+                        <a:rPr lang="en-US" sz="2000">
+                          <a:hlinkClick r:id="rId8"/>
+                        </a:rPr>
+                        <a:t>LockoutEndDateUtc</a:t>
+                      </a:r>
+                      <a:endParaRPr lang="en-US" sz="2000"/>
+                    </a:p>
+                  </a:txBody>
+                  <a:tcPr marL="21298" marR="21298" marT="10649" marB="10649" anchor="ctr"/>
+                </a:tc>
+                <a:tc>
+                  <a:txBody>
+                    <a:bodyPr/>
+                    <a:lstStyle/>
+                    <a:p>
+                      <a:r>
+                        <a:rPr lang="en-US" sz="2000"/>
+                        <a:t>Gets or sets the date time value (in UTC) when lockout ends, any time in the past is considered not locked out.(Inherited from </a:t>
+                      </a:r>
+                      <a:r>
+                        <a:rPr lang="en-US" sz="2000">
+                          <a:hlinkClick r:id="rId3"/>
+                        </a:rPr>
+                        <a:t>IdentityUser(Of TKey, TLogin, TRole, TClaim)</a:t>
+                      </a:r>
+                      <a:r>
+                        <a:rPr lang="en-US" sz="2000"/>
+                        <a:t>.)</a:t>
+                      </a:r>
+                    </a:p>
+                  </a:txBody>
+                  <a:tcPr marL="21298" marR="21298" marT="10649" marB="10649" anchor="ctr"/>
+                </a:tc>
+                <a:extLst>
+                  <a:ext uri="{0D108BD9-81ED-4DB2-BD59-A6C34878D82A}">
+                    <a16:rowId xmlns:a16="http://schemas.microsoft.com/office/drawing/2014/main" val="2121147890"/>
+                  </a:ext>
+                </a:extLst>
+              </a:tr>
+              <a:tr h="481677">
+                <a:tc>
+                  <a:txBody>
+                    <a:bodyPr/>
+                    <a:lstStyle/>
+                    <a:p>
+                      <a:r>
+                        <a:rPr lang="en-US" sz="2000">
+                          <a:hlinkClick r:id="rId9"/>
+                        </a:rPr>
+                        <a:t>Logins</a:t>
+                      </a:r>
+                      <a:endParaRPr lang="en-US" sz="2000"/>
+                    </a:p>
+                  </a:txBody>
+                  <a:tcPr marL="21298" marR="21298" marT="10649" marB="10649" anchor="ctr"/>
+                </a:tc>
+                <a:tc>
+                  <a:txBody>
+                    <a:bodyPr/>
+                    <a:lstStyle/>
+                    <a:p>
+                      <a:r>
+                        <a:rPr lang="en-US" sz="2000" dirty="0"/>
+                        <a:t>Gets the collection of logins for the user.(Inherited from </a:t>
+                      </a:r>
+                      <a:r>
+                        <a:rPr lang="en-US" sz="2000" dirty="0" err="1">
+                          <a:hlinkClick r:id="rId3"/>
+                        </a:rPr>
+                        <a:t>IdentityUser</a:t>
+                      </a:r>
+                      <a:r>
+                        <a:rPr lang="en-US" sz="2000" dirty="0">
+                          <a:hlinkClick r:id="rId3"/>
+                        </a:rPr>
+                        <a:t>(Of </a:t>
+                      </a:r>
+                      <a:r>
+                        <a:rPr lang="en-US" sz="2000" dirty="0" err="1">
+                          <a:hlinkClick r:id="rId3"/>
+                        </a:rPr>
+                        <a:t>TKey</a:t>
+                      </a:r>
+                      <a:r>
+                        <a:rPr lang="en-US" sz="2000" dirty="0">
+                          <a:hlinkClick r:id="rId3"/>
+                        </a:rPr>
+                        <a:t>, </a:t>
+                      </a:r>
+                      <a:r>
+                        <a:rPr lang="en-US" sz="2000" dirty="0" err="1">
+                          <a:hlinkClick r:id="rId3"/>
+                        </a:rPr>
+                        <a:t>TLogin</a:t>
+                      </a:r>
+                      <a:r>
+                        <a:rPr lang="en-US" sz="2000" dirty="0">
+                          <a:hlinkClick r:id="rId3"/>
+                        </a:rPr>
+                        <a:t>, </a:t>
+                      </a:r>
+                      <a:r>
+                        <a:rPr lang="en-US" sz="2000" dirty="0" err="1">
+                          <a:hlinkClick r:id="rId3"/>
+                        </a:rPr>
+                        <a:t>TRole</a:t>
+                      </a:r>
+                      <a:r>
+                        <a:rPr lang="en-US" sz="2000" dirty="0">
+                          <a:hlinkClick r:id="rId3"/>
+                        </a:rPr>
+                        <a:t>, </a:t>
+                      </a:r>
+                      <a:r>
+                        <a:rPr lang="en-US" sz="2000" dirty="0" err="1">
+                          <a:hlinkClick r:id="rId3"/>
+                        </a:rPr>
+                        <a:t>TClaim</a:t>
+                      </a:r>
+                      <a:r>
+                        <a:rPr lang="en-US" sz="2000" dirty="0">
+                          <a:hlinkClick r:id="rId3"/>
+                        </a:rPr>
+                        <a:t>)</a:t>
+                      </a:r>
+                      <a:r>
+                        <a:rPr lang="en-US" sz="2000" dirty="0"/>
+                        <a:t>.)</a:t>
+                      </a:r>
+                    </a:p>
+                  </a:txBody>
+                  <a:tcPr marL="21298" marR="21298" marT="10649" marB="10649" anchor="ctr"/>
+                </a:tc>
+                <a:extLst>
+                  <a:ext uri="{0D108BD9-81ED-4DB2-BD59-A6C34878D82A}">
+                    <a16:rowId xmlns:a16="http://schemas.microsoft.com/office/drawing/2014/main" val="3033520017"/>
+                  </a:ext>
+                </a:extLst>
+              </a:tr>
+            </a:tbl>
+          </a:graphicData>
+        </a:graphic>
+      </p:graphicFrame>
+      <p:sp>
+        <p:nvSpPr>
+          <p:cNvPr id="5" name="Text Placeholder 4"/>
+          <p:cNvSpPr>
+            <a:spLocks noGrp="1"/>
+          </p:cNvSpPr>
+          <p:nvPr>
+            <p:ph type="body" sz="quarter" idx="10"/>
+          </p:nvPr>
+        </p:nvSpPr>
+        <p:spPr/>
+        <p:txBody>
+          <a:bodyPr/>
+          <a:lstStyle/>
+          <a:p>
+            <a:r>
+              <a:rPr lang="en-US" dirty="0" err="1"/>
+              <a:t>IdentityUser</a:t>
+            </a:r>
+            <a:r>
+              <a:rPr lang="en-US" dirty="0"/>
+              <a:t> Class</a:t>
+            </a:r>
+          </a:p>
+        </p:txBody>
+      </p:sp>
+    </p:spTree>
+    <p:extLst>
+      <p:ext uri="{BB962C8B-B14F-4D97-AF65-F5344CB8AC3E}">
+        <p14:creationId xmlns:p14="http://schemas.microsoft.com/office/powerpoint/2010/main" val="1031351505"/>
+      </p:ext>
+    </p:extLst>
+  </p:cSld>
+  <p:clrMapOvr>
+    <a:masterClrMapping/>
+  </p:clrMapOvr>
+  <mc:AlternateContent xmlns:mc="http://schemas.openxmlformats.org/markup-compatibility/2006" xmlns:p14="http://schemas.microsoft.com/office/powerpoint/2010/main">
+    <mc:Choice Requires="p14">
+      <p:transition spd="med" p14:dur="700">
+        <p:fade/>
+      </p:transition>
+    </mc:Choice>
+    <mc:Fallback xmlns="">
+      <p:transition spd="med">
         <p:fade/>
       </p:transition>
     </mc:Fallback>
@@ -23184,6 +24069,1970 @@
     </mc:Choice>
     <mc:Fallback xmlns="">
       <p:transition spd="med">
+        <p:fade/>
+      </p:transition>
+    </mc:Fallback>
+  </mc:AlternateContent>
+</p:sld>
+</file>
+
+<file path=ppt/slides/slide70.xml><?xml version="1.0" encoding="utf-8"?>
+<p:sld xmlns:a="http://schemas.openxmlformats.org/drawingml/2006/main" xmlns:r="http://schemas.openxmlformats.org/officeDocument/2006/relationships" xmlns:p="http://schemas.openxmlformats.org/presentationml/2006/main">
+  <p:cSld>
+    <p:spTree>
+      <p:nvGrpSpPr>
+        <p:cNvPr id="1" name=""/>
+        <p:cNvGrpSpPr/>
+        <p:nvPr/>
+      </p:nvGrpSpPr>
+      <p:grpSpPr>
+        <a:xfrm>
+          <a:off x="0" y="0"/>
+          <a:ext cx="0" cy="0"/>
+          <a:chOff x="0" y="0"/>
+          <a:chExt cx="0" cy="0"/>
+        </a:xfrm>
+      </p:grpSpPr>
+      <p:sp>
+        <p:nvSpPr>
+          <p:cNvPr id="3" name="Title 2"/>
+          <p:cNvSpPr>
+            <a:spLocks noGrp="1"/>
+          </p:cNvSpPr>
+          <p:nvPr>
+            <p:ph type="title"/>
+          </p:nvPr>
+        </p:nvSpPr>
+        <p:spPr/>
+        <p:txBody>
+          <a:bodyPr/>
+          <a:lstStyle/>
+          <a:p>
+            <a:r>
+              <a:rPr lang="en-US" dirty="0"/>
+              <a:t>ASP.NET Core Identity</a:t>
+            </a:r>
+          </a:p>
+        </p:txBody>
+      </p:sp>
+      <p:graphicFrame>
+        <p:nvGraphicFramePr>
+          <p:cNvPr id="6" name="Content Placeholder 5"/>
+          <p:cNvGraphicFramePr>
+            <a:graphicFrameLocks noGrp="1"/>
+          </p:cNvGraphicFramePr>
+          <p:nvPr>
+            <p:ph idx="1"/>
+            <p:extLst>
+              <p:ext uri="{D42A27DB-BD31-4B8C-83A1-F6EECF244321}">
+                <p14:modId xmlns:p14="http://schemas.microsoft.com/office/powerpoint/2010/main" val="3943164340"/>
+              </p:ext>
+            </p:extLst>
+          </p:nvPr>
+        </p:nvGraphicFramePr>
+        <p:xfrm>
+          <a:off x="527381" y="1772816"/>
+          <a:ext cx="10968142" cy="4416286"/>
+        </p:xfrm>
+        <a:graphic>
+          <a:graphicData uri="http://schemas.openxmlformats.org/drawingml/2006/table">
+            <a:tbl>
+              <a:tblPr bandRow="1">
+                <a:tableStyleId>{793D81CF-94F2-401A-BA57-92F5A7B2D0C5}</a:tableStyleId>
+              </a:tblPr>
+              <a:tblGrid>
+                <a:gridCol w="2304255">
+                  <a:extLst>
+                    <a:ext uri="{9D8B030D-6E8A-4147-A177-3AD203B41FA5}">
+                      <a16:colId xmlns:a16="http://schemas.microsoft.com/office/drawing/2014/main" val="888297048"/>
+                    </a:ext>
+                  </a:extLst>
+                </a:gridCol>
+                <a:gridCol w="8663887">
+                  <a:extLst>
+                    <a:ext uri="{9D8B030D-6E8A-4147-A177-3AD203B41FA5}">
+                      <a16:colId xmlns:a16="http://schemas.microsoft.com/office/drawing/2014/main" val="268464170"/>
+                    </a:ext>
+                  </a:extLst>
+                </a:gridCol>
+              </a:tblGrid>
+              <a:tr h="481677">
+                <a:tc>
+                  <a:txBody>
+                    <a:bodyPr/>
+                    <a:lstStyle/>
+                    <a:p>
+                      <a:r>
+                        <a:rPr lang="en-US" sz="2000" dirty="0" err="1">
+                          <a:hlinkClick r:id="rId2"/>
+                        </a:rPr>
+                        <a:t>PasswordHash</a:t>
+                      </a:r>
+                      <a:endParaRPr lang="en-US" sz="2000" dirty="0"/>
+                    </a:p>
+                  </a:txBody>
+                  <a:tcPr marL="21298" marR="21298" marT="10649" marB="10649" anchor="ctr"/>
+                </a:tc>
+                <a:tc>
+                  <a:txBody>
+                    <a:bodyPr/>
+                    <a:lstStyle/>
+                    <a:p>
+                      <a:r>
+                        <a:rPr lang="en-US" sz="2000" dirty="0"/>
+                        <a:t>Gets or sets the salted/hashed form of the user password.(Inherited from </a:t>
+                      </a:r>
+                      <a:r>
+                        <a:rPr lang="en-US" sz="2000" dirty="0" err="1">
+                          <a:hlinkClick r:id="rId3"/>
+                        </a:rPr>
+                        <a:t>IdentityUser</a:t>
+                      </a:r>
+                      <a:r>
+                        <a:rPr lang="en-US" sz="2000" dirty="0">
+                          <a:hlinkClick r:id="rId3"/>
+                        </a:rPr>
+                        <a:t>(Of </a:t>
+                      </a:r>
+                      <a:r>
+                        <a:rPr lang="en-US" sz="2000" dirty="0" err="1">
+                          <a:hlinkClick r:id="rId3"/>
+                        </a:rPr>
+                        <a:t>TKey</a:t>
+                      </a:r>
+                      <a:r>
+                        <a:rPr lang="en-US" sz="2000" dirty="0">
+                          <a:hlinkClick r:id="rId3"/>
+                        </a:rPr>
+                        <a:t>, </a:t>
+                      </a:r>
+                      <a:r>
+                        <a:rPr lang="en-US" sz="2000" dirty="0" err="1">
+                          <a:hlinkClick r:id="rId3"/>
+                        </a:rPr>
+                        <a:t>TLogin</a:t>
+                      </a:r>
+                      <a:r>
+                        <a:rPr lang="en-US" sz="2000" dirty="0">
+                          <a:hlinkClick r:id="rId3"/>
+                        </a:rPr>
+                        <a:t>, </a:t>
+                      </a:r>
+                      <a:r>
+                        <a:rPr lang="en-US" sz="2000" dirty="0" err="1">
+                          <a:hlinkClick r:id="rId3"/>
+                        </a:rPr>
+                        <a:t>TRole</a:t>
+                      </a:r>
+                      <a:r>
+                        <a:rPr lang="en-US" sz="2000" dirty="0">
+                          <a:hlinkClick r:id="rId3"/>
+                        </a:rPr>
+                        <a:t>, </a:t>
+                      </a:r>
+                      <a:r>
+                        <a:rPr lang="en-US" sz="2000" dirty="0" err="1">
+                          <a:hlinkClick r:id="rId3"/>
+                        </a:rPr>
+                        <a:t>TClaim</a:t>
+                      </a:r>
+                      <a:r>
+                        <a:rPr lang="en-US" sz="2000" dirty="0">
+                          <a:hlinkClick r:id="rId3"/>
+                        </a:rPr>
+                        <a:t>)</a:t>
+                      </a:r>
+                      <a:r>
+                        <a:rPr lang="en-US" sz="2000" dirty="0"/>
+                        <a:t>.)</a:t>
+                      </a:r>
+                    </a:p>
+                  </a:txBody>
+                  <a:tcPr marL="21298" marR="21298" marT="10649" marB="10649" anchor="ctr"/>
+                </a:tc>
+                <a:extLst>
+                  <a:ext uri="{0D108BD9-81ED-4DB2-BD59-A6C34878D82A}">
+                    <a16:rowId xmlns:a16="http://schemas.microsoft.com/office/drawing/2014/main" val="1045212536"/>
+                  </a:ext>
+                </a:extLst>
+              </a:tr>
+              <a:tr h="481677">
+                <a:tc>
+                  <a:txBody>
+                    <a:bodyPr/>
+                    <a:lstStyle/>
+                    <a:p>
+                      <a:r>
+                        <a:rPr lang="en-US" sz="2000">
+                          <a:hlinkClick r:id="rId4"/>
+                        </a:rPr>
+                        <a:t>PhoneNumber</a:t>
+                      </a:r>
+                      <a:endParaRPr lang="en-US" sz="2000"/>
+                    </a:p>
+                  </a:txBody>
+                  <a:tcPr marL="21298" marR="21298" marT="10649" marB="10649" anchor="ctr"/>
+                </a:tc>
+                <a:tc>
+                  <a:txBody>
+                    <a:bodyPr/>
+                    <a:lstStyle/>
+                    <a:p>
+                      <a:r>
+                        <a:rPr lang="en-US" sz="2000" dirty="0"/>
+                        <a:t>Gets or sets the phone number for the user.(Inherited from </a:t>
+                      </a:r>
+                      <a:r>
+                        <a:rPr lang="en-US" sz="2000" dirty="0" err="1">
+                          <a:hlinkClick r:id="rId3"/>
+                        </a:rPr>
+                        <a:t>IdentityUser</a:t>
+                      </a:r>
+                      <a:r>
+                        <a:rPr lang="en-US" sz="2000" dirty="0">
+                          <a:hlinkClick r:id="rId3"/>
+                        </a:rPr>
+                        <a:t>(Of </a:t>
+                      </a:r>
+                      <a:r>
+                        <a:rPr lang="en-US" sz="2000" dirty="0" err="1">
+                          <a:hlinkClick r:id="rId3"/>
+                        </a:rPr>
+                        <a:t>TKey</a:t>
+                      </a:r>
+                      <a:r>
+                        <a:rPr lang="en-US" sz="2000" dirty="0">
+                          <a:hlinkClick r:id="rId3"/>
+                        </a:rPr>
+                        <a:t>, </a:t>
+                      </a:r>
+                      <a:r>
+                        <a:rPr lang="en-US" sz="2000" dirty="0" err="1">
+                          <a:hlinkClick r:id="rId3"/>
+                        </a:rPr>
+                        <a:t>TLogin</a:t>
+                      </a:r>
+                      <a:r>
+                        <a:rPr lang="en-US" sz="2000" dirty="0">
+                          <a:hlinkClick r:id="rId3"/>
+                        </a:rPr>
+                        <a:t>, </a:t>
+                      </a:r>
+                      <a:r>
+                        <a:rPr lang="en-US" sz="2000" dirty="0" err="1">
+                          <a:hlinkClick r:id="rId3"/>
+                        </a:rPr>
+                        <a:t>TRole</a:t>
+                      </a:r>
+                      <a:r>
+                        <a:rPr lang="en-US" sz="2000" dirty="0">
+                          <a:hlinkClick r:id="rId3"/>
+                        </a:rPr>
+                        <a:t>, </a:t>
+                      </a:r>
+                      <a:r>
+                        <a:rPr lang="en-US" sz="2000" dirty="0" err="1">
+                          <a:hlinkClick r:id="rId3"/>
+                        </a:rPr>
+                        <a:t>TClaim</a:t>
+                      </a:r>
+                      <a:r>
+                        <a:rPr lang="en-US" sz="2000" dirty="0">
+                          <a:hlinkClick r:id="rId3"/>
+                        </a:rPr>
+                        <a:t>)</a:t>
+                      </a:r>
+                      <a:r>
+                        <a:rPr lang="en-US" sz="2000" dirty="0"/>
+                        <a:t>.)</a:t>
+                      </a:r>
+                    </a:p>
+                  </a:txBody>
+                  <a:tcPr marL="21298" marR="21298" marT="10649" marB="10649" anchor="ctr"/>
+                </a:tc>
+                <a:extLst>
+                  <a:ext uri="{0D108BD9-81ED-4DB2-BD59-A6C34878D82A}">
+                    <a16:rowId xmlns:a16="http://schemas.microsoft.com/office/drawing/2014/main" val="1209591255"/>
+                  </a:ext>
+                </a:extLst>
+              </a:tr>
+              <a:tr h="481677">
+                <a:tc>
+                  <a:txBody>
+                    <a:bodyPr/>
+                    <a:lstStyle/>
+                    <a:p>
+                      <a:r>
+                        <a:rPr lang="en-US" sz="2000">
+                          <a:hlinkClick r:id="rId5"/>
+                        </a:rPr>
+                        <a:t>PhoneNumberConfirmed</a:t>
+                      </a:r>
+                      <a:endParaRPr lang="en-US" sz="2000"/>
+                    </a:p>
+                  </a:txBody>
+                  <a:tcPr marL="21298" marR="21298" marT="10649" marB="10649" anchor="ctr"/>
+                </a:tc>
+                <a:tc>
+                  <a:txBody>
+                    <a:bodyPr/>
+                    <a:lstStyle/>
+                    <a:p>
+                      <a:r>
+                        <a:rPr lang="en-US" sz="2000"/>
+                        <a:t>Gets or sets the value that indicates whether the phone number is confirmed. The default is false.(Inherited from </a:t>
+                      </a:r>
+                      <a:r>
+                        <a:rPr lang="en-US" sz="2000">
+                          <a:hlinkClick r:id="rId3"/>
+                        </a:rPr>
+                        <a:t>IdentityUser(Of TKey, TLogin, TRole, TClaim)</a:t>
+                      </a:r>
+                      <a:r>
+                        <a:rPr lang="en-US" sz="2000"/>
+                        <a:t>.)</a:t>
+                      </a:r>
+                    </a:p>
+                  </a:txBody>
+                  <a:tcPr marL="21298" marR="21298" marT="10649" marB="10649" anchor="ctr"/>
+                </a:tc>
+                <a:extLst>
+                  <a:ext uri="{0D108BD9-81ED-4DB2-BD59-A6C34878D82A}">
+                    <a16:rowId xmlns:a16="http://schemas.microsoft.com/office/drawing/2014/main" val="3274150069"/>
+                  </a:ext>
+                </a:extLst>
+              </a:tr>
+              <a:tr h="481677">
+                <a:tc>
+                  <a:txBody>
+                    <a:bodyPr/>
+                    <a:lstStyle/>
+                    <a:p>
+                      <a:r>
+                        <a:rPr lang="en-US" sz="2000">
+                          <a:hlinkClick r:id="rId6"/>
+                        </a:rPr>
+                        <a:t>Roles</a:t>
+                      </a:r>
+                      <a:endParaRPr lang="en-US" sz="2000"/>
+                    </a:p>
+                  </a:txBody>
+                  <a:tcPr marL="21298" marR="21298" marT="10649" marB="10649" anchor="ctr"/>
+                </a:tc>
+                <a:tc>
+                  <a:txBody>
+                    <a:bodyPr/>
+                    <a:lstStyle/>
+                    <a:p>
+                      <a:r>
+                        <a:rPr lang="en-US" sz="2000"/>
+                        <a:t>Gets the collection of roles for the user.(Inherited from </a:t>
+                      </a:r>
+                      <a:r>
+                        <a:rPr lang="en-US" sz="2000">
+                          <a:hlinkClick r:id="rId3"/>
+                        </a:rPr>
+                        <a:t>IdentityUser(Of TKey, TLogin, TRole, TClaim)</a:t>
+                      </a:r>
+                      <a:r>
+                        <a:rPr lang="en-US" sz="2000"/>
+                        <a:t>.)</a:t>
+                      </a:r>
+                    </a:p>
+                  </a:txBody>
+                  <a:tcPr marL="21298" marR="21298" marT="10649" marB="10649" anchor="ctr"/>
+                </a:tc>
+                <a:extLst>
+                  <a:ext uri="{0D108BD9-81ED-4DB2-BD59-A6C34878D82A}">
+                    <a16:rowId xmlns:a16="http://schemas.microsoft.com/office/drawing/2014/main" val="1751276020"/>
+                  </a:ext>
+                </a:extLst>
+              </a:tr>
+              <a:tr h="481677">
+                <a:tc>
+                  <a:txBody>
+                    <a:bodyPr/>
+                    <a:lstStyle/>
+                    <a:p>
+                      <a:r>
+                        <a:rPr lang="en-US" sz="2000">
+                          <a:hlinkClick r:id="rId7"/>
+                        </a:rPr>
+                        <a:t>SecurityStamp</a:t>
+                      </a:r>
+                      <a:endParaRPr lang="en-US" sz="2000"/>
+                    </a:p>
+                  </a:txBody>
+                  <a:tcPr marL="21298" marR="21298" marT="10649" marB="10649" anchor="ctr"/>
+                </a:tc>
+                <a:tc>
+                  <a:txBody>
+                    <a:bodyPr/>
+                    <a:lstStyle/>
+                    <a:p>
+                      <a:r>
+                        <a:rPr lang="en-US" sz="2000"/>
+                        <a:t>Gets or sets a random value that changes when a user’s credentials change.(Inherited from </a:t>
+                      </a:r>
+                      <a:r>
+                        <a:rPr lang="en-US" sz="2000">
+                          <a:hlinkClick r:id="rId3"/>
+                        </a:rPr>
+                        <a:t>IdentityUser(Of TKey, TLogin, TRole, TClaim)</a:t>
+                      </a:r>
+                      <a:r>
+                        <a:rPr lang="en-US" sz="2000"/>
+                        <a:t>.)</a:t>
+                      </a:r>
+                    </a:p>
+                  </a:txBody>
+                  <a:tcPr marL="21298" marR="21298" marT="10649" marB="10649" anchor="ctr"/>
+                </a:tc>
+                <a:extLst>
+                  <a:ext uri="{0D108BD9-81ED-4DB2-BD59-A6C34878D82A}">
+                    <a16:rowId xmlns:a16="http://schemas.microsoft.com/office/drawing/2014/main" val="1925388043"/>
+                  </a:ext>
+                </a:extLst>
+              </a:tr>
+              <a:tr h="481677">
+                <a:tc>
+                  <a:txBody>
+                    <a:bodyPr/>
+                    <a:lstStyle/>
+                    <a:p>
+                      <a:r>
+                        <a:rPr lang="en-US" sz="2000">
+                          <a:hlinkClick r:id="rId8"/>
+                        </a:rPr>
+                        <a:t>TwoFactorEnabled</a:t>
+                      </a:r>
+                      <a:endParaRPr lang="en-US" sz="2000"/>
+                    </a:p>
+                  </a:txBody>
+                  <a:tcPr marL="21298" marR="21298" marT="10649" marB="10649" anchor="ctr"/>
+                </a:tc>
+                <a:tc>
+                  <a:txBody>
+                    <a:bodyPr/>
+                    <a:lstStyle/>
+                    <a:p>
+                      <a:r>
+                        <a:rPr lang="en-US" sz="2000" dirty="0"/>
+                        <a:t>Gets or sets a value that indicates whether two-factor authentication is enabled for the user.(Inherited from </a:t>
+                      </a:r>
+                      <a:r>
+                        <a:rPr lang="en-US" sz="2000" dirty="0" err="1">
+                          <a:hlinkClick r:id="rId3"/>
+                        </a:rPr>
+                        <a:t>IdentityUser</a:t>
+                      </a:r>
+                      <a:r>
+                        <a:rPr lang="en-US" sz="2000" dirty="0">
+                          <a:hlinkClick r:id="rId3"/>
+                        </a:rPr>
+                        <a:t>(Of </a:t>
+                      </a:r>
+                      <a:r>
+                        <a:rPr lang="en-US" sz="2000" dirty="0" err="1">
+                          <a:hlinkClick r:id="rId3"/>
+                        </a:rPr>
+                        <a:t>TKey</a:t>
+                      </a:r>
+                      <a:r>
+                        <a:rPr lang="en-US" sz="2000" dirty="0">
+                          <a:hlinkClick r:id="rId3"/>
+                        </a:rPr>
+                        <a:t>, </a:t>
+                      </a:r>
+                      <a:r>
+                        <a:rPr lang="en-US" sz="2000" dirty="0" err="1">
+                          <a:hlinkClick r:id="rId3"/>
+                        </a:rPr>
+                        <a:t>TLogin</a:t>
+                      </a:r>
+                      <a:r>
+                        <a:rPr lang="en-US" sz="2000" dirty="0">
+                          <a:hlinkClick r:id="rId3"/>
+                        </a:rPr>
+                        <a:t>, </a:t>
+                      </a:r>
+                      <a:r>
+                        <a:rPr lang="en-US" sz="2000" dirty="0" err="1">
+                          <a:hlinkClick r:id="rId3"/>
+                        </a:rPr>
+                        <a:t>TRole</a:t>
+                      </a:r>
+                      <a:r>
+                        <a:rPr lang="en-US" sz="2000" dirty="0">
+                          <a:hlinkClick r:id="rId3"/>
+                        </a:rPr>
+                        <a:t>, </a:t>
+                      </a:r>
+                      <a:r>
+                        <a:rPr lang="en-US" sz="2000" dirty="0" err="1">
+                          <a:hlinkClick r:id="rId3"/>
+                        </a:rPr>
+                        <a:t>TClaim</a:t>
+                      </a:r>
+                      <a:r>
+                        <a:rPr lang="en-US" sz="2000" dirty="0">
+                          <a:hlinkClick r:id="rId3"/>
+                        </a:rPr>
+                        <a:t>)</a:t>
+                      </a:r>
+                      <a:r>
+                        <a:rPr lang="en-US" sz="2000" dirty="0"/>
+                        <a:t>.)</a:t>
+                      </a:r>
+                    </a:p>
+                  </a:txBody>
+                  <a:tcPr marL="21298" marR="21298" marT="10649" marB="10649" anchor="ctr"/>
+                </a:tc>
+                <a:extLst>
+                  <a:ext uri="{0D108BD9-81ED-4DB2-BD59-A6C34878D82A}">
+                    <a16:rowId xmlns:a16="http://schemas.microsoft.com/office/drawing/2014/main" val="1861930662"/>
+                  </a:ext>
+                </a:extLst>
+              </a:tr>
+              <a:tr h="562275">
+                <a:tc>
+                  <a:txBody>
+                    <a:bodyPr/>
+                    <a:lstStyle/>
+                    <a:p>
+                      <a:r>
+                        <a:rPr lang="en-US" sz="2000" dirty="0" err="1">
+                          <a:hlinkClick r:id="rId9"/>
+                        </a:rPr>
+                        <a:t>UserName</a:t>
+                      </a:r>
+                      <a:endParaRPr lang="en-US" sz="2000" dirty="0"/>
+                    </a:p>
+                  </a:txBody>
+                  <a:tcPr marL="21298" marR="21298" marT="10649" marB="10649" anchor="ctr"/>
+                </a:tc>
+                <a:tc>
+                  <a:txBody>
+                    <a:bodyPr/>
+                    <a:lstStyle/>
+                    <a:p>
+                      <a:r>
+                        <a:rPr lang="en-US" sz="2000" dirty="0"/>
+                        <a:t>Gets or sets the user name.(Inherited from </a:t>
+                      </a:r>
+                      <a:r>
+                        <a:rPr lang="en-US" sz="2000" dirty="0" err="1">
+                          <a:hlinkClick r:id="rId3"/>
+                        </a:rPr>
+                        <a:t>IdentityUser</a:t>
+                      </a:r>
+                      <a:r>
+                        <a:rPr lang="en-US" sz="2000" dirty="0">
+                          <a:hlinkClick r:id="rId3"/>
+                        </a:rPr>
+                        <a:t>(Of </a:t>
+                      </a:r>
+                      <a:r>
+                        <a:rPr lang="en-US" sz="2000" dirty="0" err="1">
+                          <a:hlinkClick r:id="rId3"/>
+                        </a:rPr>
+                        <a:t>TKey</a:t>
+                      </a:r>
+                      <a:r>
+                        <a:rPr lang="en-US" sz="2000" dirty="0">
+                          <a:hlinkClick r:id="rId3"/>
+                        </a:rPr>
+                        <a:t>, </a:t>
+                      </a:r>
+                      <a:r>
+                        <a:rPr lang="en-US" sz="2000" dirty="0" err="1">
+                          <a:hlinkClick r:id="rId3"/>
+                        </a:rPr>
+                        <a:t>TLogin</a:t>
+                      </a:r>
+                      <a:r>
+                        <a:rPr lang="en-US" sz="2000" dirty="0">
+                          <a:hlinkClick r:id="rId3"/>
+                        </a:rPr>
+                        <a:t>, </a:t>
+                      </a:r>
+                      <a:r>
+                        <a:rPr lang="en-US" sz="2000" dirty="0" err="1">
+                          <a:hlinkClick r:id="rId3"/>
+                        </a:rPr>
+                        <a:t>TRole</a:t>
+                      </a:r>
+                      <a:r>
+                        <a:rPr lang="en-US" sz="2000" dirty="0">
+                          <a:hlinkClick r:id="rId3"/>
+                        </a:rPr>
+                        <a:t>, </a:t>
+                      </a:r>
+                      <a:r>
+                        <a:rPr lang="en-US" sz="2000" dirty="0" err="1">
+                          <a:hlinkClick r:id="rId3"/>
+                        </a:rPr>
+                        <a:t>TClaim</a:t>
+                      </a:r>
+                      <a:r>
+                        <a:rPr lang="en-US" sz="2000" dirty="0">
+                          <a:hlinkClick r:id="rId3"/>
+                        </a:rPr>
+                        <a:t>)</a:t>
+                      </a:r>
+                      <a:r>
+                        <a:rPr lang="en-US" sz="2000" dirty="0"/>
+                        <a:t>.)</a:t>
+                      </a:r>
+                    </a:p>
+                  </a:txBody>
+                  <a:tcPr marL="21298" marR="21298" marT="10649" marB="10649" anchor="ctr"/>
+                </a:tc>
+                <a:extLst>
+                  <a:ext uri="{0D108BD9-81ED-4DB2-BD59-A6C34878D82A}">
+                    <a16:rowId xmlns:a16="http://schemas.microsoft.com/office/drawing/2014/main" val="3668767659"/>
+                  </a:ext>
+                </a:extLst>
+              </a:tr>
+            </a:tbl>
+          </a:graphicData>
+        </a:graphic>
+      </p:graphicFrame>
+      <p:sp>
+        <p:nvSpPr>
+          <p:cNvPr id="5" name="Text Placeholder 4"/>
+          <p:cNvSpPr>
+            <a:spLocks noGrp="1"/>
+          </p:cNvSpPr>
+          <p:nvPr>
+            <p:ph type="body" sz="quarter" idx="10"/>
+          </p:nvPr>
+        </p:nvSpPr>
+        <p:spPr/>
+        <p:txBody>
+          <a:bodyPr/>
+          <a:lstStyle/>
+          <a:p>
+            <a:r>
+              <a:rPr lang="en-US" dirty="0" err="1"/>
+              <a:t>IdentityUser</a:t>
+            </a:r>
+            <a:r>
+              <a:rPr lang="en-US" dirty="0"/>
+              <a:t> Class</a:t>
+            </a:r>
+          </a:p>
+        </p:txBody>
+      </p:sp>
+    </p:spTree>
+    <p:extLst>
+      <p:ext uri="{BB962C8B-B14F-4D97-AF65-F5344CB8AC3E}">
+        <p14:creationId xmlns:p14="http://schemas.microsoft.com/office/powerpoint/2010/main" val="2837003220"/>
+      </p:ext>
+    </p:extLst>
+  </p:cSld>
+  <p:clrMapOvr>
+    <a:masterClrMapping/>
+  </p:clrMapOvr>
+  <mc:AlternateContent xmlns:mc="http://schemas.openxmlformats.org/markup-compatibility/2006" xmlns:p14="http://schemas.microsoft.com/office/powerpoint/2010/main">
+    <mc:Choice Requires="p14">
+      <p:transition spd="med" p14:dur="700">
+        <p:fade/>
+      </p:transition>
+    </mc:Choice>
+    <mc:Fallback xmlns="">
+      <p:transition spd="med">
+        <p:fade/>
+      </p:transition>
+    </mc:Fallback>
+  </mc:AlternateContent>
+</p:sld>
+</file>
+
+<file path=ppt/slides/slide71.xml><?xml version="1.0" encoding="utf-8"?>
+<p:sld xmlns:a="http://schemas.openxmlformats.org/drawingml/2006/main" xmlns:r="http://schemas.openxmlformats.org/officeDocument/2006/relationships" xmlns:p="http://schemas.openxmlformats.org/presentationml/2006/main">
+  <p:cSld>
+    <p:spTree>
+      <p:nvGrpSpPr>
+        <p:cNvPr id="1" name=""/>
+        <p:cNvGrpSpPr/>
+        <p:nvPr/>
+      </p:nvGrpSpPr>
+      <p:grpSpPr>
+        <a:xfrm>
+          <a:off x="0" y="0"/>
+          <a:ext cx="0" cy="0"/>
+          <a:chOff x="0" y="0"/>
+          <a:chExt cx="0" cy="0"/>
+        </a:xfrm>
+      </p:grpSpPr>
+      <p:sp>
+        <p:nvSpPr>
+          <p:cNvPr id="2" name="Title 1"/>
+          <p:cNvSpPr>
+            <a:spLocks noGrp="1"/>
+          </p:cNvSpPr>
+          <p:nvPr>
+            <p:ph type="title"/>
+          </p:nvPr>
+        </p:nvSpPr>
+        <p:spPr/>
+        <p:txBody>
+          <a:bodyPr/>
+          <a:lstStyle/>
+          <a:p>
+            <a:endParaRPr lang="en-US"/>
+          </a:p>
+        </p:txBody>
+      </p:sp>
+      <p:sp>
+        <p:nvSpPr>
+          <p:cNvPr id="3" name="Content Placeholder 2"/>
+          <p:cNvSpPr>
+            <a:spLocks noGrp="1"/>
+          </p:cNvSpPr>
+          <p:nvPr>
+            <p:ph idx="1"/>
+          </p:nvPr>
+        </p:nvSpPr>
+        <p:spPr/>
+        <p:txBody>
+          <a:bodyPr/>
+          <a:lstStyle/>
+          <a:p>
+            <a:endParaRPr lang="en-US" dirty="0"/>
+          </a:p>
+        </p:txBody>
+      </p:sp>
+      <p:sp>
+        <p:nvSpPr>
+          <p:cNvPr id="4" name="Text Placeholder 3"/>
+          <p:cNvSpPr>
+            <a:spLocks noGrp="1"/>
+          </p:cNvSpPr>
+          <p:nvPr>
+            <p:ph type="body" sz="quarter" idx="10"/>
+          </p:nvPr>
+        </p:nvSpPr>
+        <p:spPr/>
+        <p:txBody>
+          <a:bodyPr/>
+          <a:lstStyle/>
+          <a:p>
+            <a:r>
+              <a:rPr lang="en-US" dirty="0"/>
+              <a:t>ASP.NET Core Identity</a:t>
+            </a:r>
+          </a:p>
+        </p:txBody>
+      </p:sp>
+      <p:sp>
+        <p:nvSpPr>
+          <p:cNvPr id="5" name="Rectangle 4"/>
+          <p:cNvSpPr/>
+          <p:nvPr/>
+        </p:nvSpPr>
+        <p:spPr>
+          <a:xfrm>
+            <a:off x="3048000" y="2413338"/>
+            <a:ext cx="6096000" cy="2031325"/>
+          </a:xfrm>
+          <a:prstGeom prst="rect">
+            <a:avLst/>
+          </a:prstGeom>
+        </p:spPr>
+        <p:txBody>
+          <a:bodyPr>
+            <a:spAutoFit/>
+          </a:bodyPr>
+          <a:lstStyle/>
+          <a:p>
+            <a:r>
+              <a:rPr lang="en-US" dirty="0">
+                <a:latin typeface="BkwbwsXxrnvqBmrdrdTheSansMonoConNormal"/>
+              </a:rPr>
+              <a:t>public void Configure(</a:t>
+            </a:r>
+            <a:r>
+              <a:rPr lang="en-US" dirty="0" err="1">
+                <a:latin typeface="BkwbwsXxrnvqBmrdrdTheSansMonoConNormal"/>
+              </a:rPr>
+              <a:t>IApplicationBuilder</a:t>
+            </a:r>
+            <a:r>
+              <a:rPr lang="en-US" dirty="0">
+                <a:latin typeface="BkwbwsXxrnvqBmrdrdTheSansMonoConNormal"/>
+              </a:rPr>
+              <a:t> app) {</a:t>
+            </a:r>
+          </a:p>
+          <a:p>
+            <a:r>
+              <a:rPr lang="en-US" dirty="0" err="1">
+                <a:latin typeface="BkwbwsXxrnvqBmrdrdTheSansMonoConNormal"/>
+              </a:rPr>
+              <a:t>app.UseStatusCodePages</a:t>
+            </a:r>
+            <a:r>
+              <a:rPr lang="en-US" dirty="0">
+                <a:latin typeface="BkwbwsXxrnvqBmrdrdTheSansMonoConNormal"/>
+              </a:rPr>
+              <a:t>();</a:t>
+            </a:r>
+          </a:p>
+          <a:p>
+            <a:r>
+              <a:rPr lang="en-US" dirty="0" err="1">
+                <a:latin typeface="BkwbwsXxrnvqBmrdrdTheSansMonoConNormal"/>
+              </a:rPr>
+              <a:t>app.UseDeveloperExceptionPage</a:t>
+            </a:r>
+            <a:r>
+              <a:rPr lang="en-US" dirty="0">
+                <a:latin typeface="BkwbwsXxrnvqBmrdrdTheSansMonoConNormal"/>
+              </a:rPr>
+              <a:t>();</a:t>
+            </a:r>
+          </a:p>
+          <a:p>
+            <a:r>
+              <a:rPr lang="en-US" dirty="0" err="1">
+                <a:latin typeface="BkwbwsXxrnvqBmrdrdTheSansMonoConNormal"/>
+              </a:rPr>
+              <a:t>app.UseStaticFiles</a:t>
+            </a:r>
+            <a:r>
+              <a:rPr lang="en-US" dirty="0">
+                <a:latin typeface="BkwbwsXxrnvqBmrdrdTheSansMonoConNormal"/>
+              </a:rPr>
+              <a:t>();</a:t>
+            </a:r>
+          </a:p>
+          <a:p>
+            <a:r>
+              <a:rPr lang="en-US" b="1" dirty="0" err="1">
+                <a:latin typeface="QfxvrhMjbxvrPrbrngTheSansMonoConBlack"/>
+              </a:rPr>
+              <a:t>app.UseIdentity</a:t>
+            </a:r>
+            <a:r>
+              <a:rPr lang="en-US" b="1" dirty="0">
+                <a:latin typeface="QfxvrhMjbxvrPrbrngTheSansMonoConBlack"/>
+              </a:rPr>
+              <a:t>();</a:t>
+            </a:r>
+          </a:p>
+          <a:p>
+            <a:r>
+              <a:rPr lang="en-US" dirty="0" err="1">
+                <a:latin typeface="BkwbwsXxrnvqBmrdrdTheSansMonoConNormal"/>
+              </a:rPr>
+              <a:t>app.UseMvcWithDefaultRoute</a:t>
+            </a:r>
+            <a:r>
+              <a:rPr lang="en-US" dirty="0">
+                <a:latin typeface="BkwbwsXxrnvqBmrdrdTheSansMonoConNormal"/>
+              </a:rPr>
+              <a:t>();</a:t>
+            </a:r>
+          </a:p>
+          <a:p>
+            <a:r>
+              <a:rPr lang="en-US" dirty="0">
+                <a:latin typeface="BkwbwsXxrnvqBmrdrdTheSansMonoConNormal"/>
+              </a:rPr>
+              <a:t>}</a:t>
+            </a:r>
+            <a:endParaRPr lang="en-US" dirty="0"/>
+          </a:p>
+        </p:txBody>
+      </p:sp>
+    </p:spTree>
+    <p:extLst>
+      <p:ext uri="{BB962C8B-B14F-4D97-AF65-F5344CB8AC3E}">
+        <p14:creationId xmlns:p14="http://schemas.microsoft.com/office/powerpoint/2010/main" val="344016469"/>
+      </p:ext>
+    </p:extLst>
+  </p:cSld>
+  <p:clrMapOvr>
+    <a:masterClrMapping/>
+  </p:clrMapOvr>
+  <mc:AlternateContent xmlns:mc="http://schemas.openxmlformats.org/markup-compatibility/2006" xmlns:p14="http://schemas.microsoft.com/office/powerpoint/2010/main">
+    <mc:Choice Requires="p14">
+      <p:transition spd="med" p14:dur="700">
+        <p:fade/>
+      </p:transition>
+    </mc:Choice>
+    <mc:Fallback xmlns="">
+      <p:transition spd="med">
+        <p:fade/>
+      </p:transition>
+    </mc:Fallback>
+  </mc:AlternateContent>
+</p:sld>
+</file>
+
+<file path=ppt/slides/slide72.xml><?xml version="1.0" encoding="utf-8"?>
+<p:sld xmlns:a="http://schemas.openxmlformats.org/drawingml/2006/main" xmlns:r="http://schemas.openxmlformats.org/officeDocument/2006/relationships" xmlns:p="http://schemas.openxmlformats.org/presentationml/2006/main">
+  <p:cSld>
+    <p:spTree>
+      <p:nvGrpSpPr>
+        <p:cNvPr id="1" name=""/>
+        <p:cNvGrpSpPr/>
+        <p:nvPr/>
+      </p:nvGrpSpPr>
+      <p:grpSpPr>
+        <a:xfrm>
+          <a:off x="0" y="0"/>
+          <a:ext cx="0" cy="0"/>
+          <a:chOff x="0" y="0"/>
+          <a:chExt cx="0" cy="0"/>
+        </a:xfrm>
+      </p:grpSpPr>
+      <p:sp>
+        <p:nvSpPr>
+          <p:cNvPr id="2" name="Title 1"/>
+          <p:cNvSpPr>
+            <a:spLocks noGrp="1"/>
+          </p:cNvSpPr>
+          <p:nvPr>
+            <p:ph type="title"/>
+          </p:nvPr>
+        </p:nvSpPr>
+        <p:spPr/>
+        <p:txBody>
+          <a:bodyPr/>
+          <a:lstStyle/>
+          <a:p>
+            <a:r>
+              <a:rPr lang="en-US" dirty="0"/>
+              <a:t>[Authorize]</a:t>
+            </a:r>
+          </a:p>
+        </p:txBody>
+      </p:sp>
+      <p:sp>
+        <p:nvSpPr>
+          <p:cNvPr id="4" name="TextBox 3"/>
+          <p:cNvSpPr txBox="1"/>
+          <p:nvPr/>
+        </p:nvSpPr>
+        <p:spPr>
+          <a:xfrm>
+            <a:off x="956930" y="3997863"/>
+            <a:ext cx="4755148" cy="2031325"/>
+          </a:xfrm>
+          <a:prstGeom prst="rect">
+            <a:avLst/>
+          </a:prstGeom>
+          <a:noFill/>
+        </p:spPr>
+        <p:txBody>
+          <a:bodyPr wrap="none" rtlCol="0">
+            <a:spAutoFit/>
+          </a:bodyPr>
+          <a:lstStyle/>
+          <a:p>
+            <a:r>
+              <a:rPr lang="en-US" dirty="0"/>
+              <a:t>public </a:t>
+            </a:r>
+            <a:r>
+              <a:rPr lang="en-US" dirty="0" err="1"/>
+              <a:t>ActionResult</a:t>
+            </a:r>
+            <a:r>
+              <a:rPr lang="en-US" dirty="0"/>
+              <a:t> Details(</a:t>
+            </a:r>
+            <a:r>
+              <a:rPr lang="en-US" dirty="0" err="1"/>
+              <a:t>int</a:t>
+            </a:r>
+            <a:r>
+              <a:rPr lang="en-US" dirty="0"/>
+              <a:t> id)</a:t>
+            </a:r>
+          </a:p>
+          <a:p>
+            <a:r>
+              <a:rPr lang="en-US" dirty="0"/>
+              <a:t> {</a:t>
+            </a:r>
+          </a:p>
+          <a:p>
+            <a:pPr lvl="1"/>
+            <a:r>
+              <a:rPr lang="en-US" dirty="0"/>
+              <a:t> </a:t>
+            </a:r>
+            <a:r>
+              <a:rPr lang="en-US" b="1" dirty="0"/>
+              <a:t>if (!</a:t>
+            </a:r>
+            <a:r>
+              <a:rPr lang="en-US" b="1" dirty="0" err="1"/>
+              <a:t>User.IsInRole</a:t>
+            </a:r>
+            <a:r>
+              <a:rPr lang="en-US" b="1" dirty="0"/>
+              <a:t>("</a:t>
+            </a:r>
+            <a:r>
+              <a:rPr lang="en-US" b="1" dirty="0" err="1"/>
+              <a:t>EmployeeViewer</a:t>
+            </a:r>
+            <a:r>
+              <a:rPr lang="en-US" b="1" dirty="0"/>
+              <a:t>")) </a:t>
+            </a:r>
+          </a:p>
+          <a:p>
+            <a:pPr lvl="1"/>
+            <a:r>
+              <a:rPr lang="en-US" b="1" dirty="0"/>
+              <a:t>	return new </a:t>
+            </a:r>
+            <a:r>
+              <a:rPr lang="en-US" b="1" dirty="0" err="1"/>
+              <a:t>HttpUnauthorizedResult</a:t>
+            </a:r>
+            <a:r>
+              <a:rPr lang="en-US" b="1" dirty="0"/>
+              <a:t>();</a:t>
+            </a:r>
+          </a:p>
+          <a:p>
+            <a:pPr lvl="1"/>
+            <a:r>
+              <a:rPr lang="en-US" dirty="0"/>
+              <a:t> </a:t>
+            </a:r>
+          </a:p>
+          <a:p>
+            <a:pPr lvl="1"/>
+            <a:r>
+              <a:rPr lang="en-US" dirty="0"/>
+              <a:t>// Action logic </a:t>
+            </a:r>
+          </a:p>
+          <a:p>
+            <a:r>
+              <a:rPr lang="en-US" dirty="0"/>
+              <a:t>}</a:t>
+            </a:r>
+          </a:p>
+        </p:txBody>
+      </p:sp>
+      <p:sp>
+        <p:nvSpPr>
+          <p:cNvPr id="5" name="TextBox 4"/>
+          <p:cNvSpPr txBox="1"/>
+          <p:nvPr/>
+        </p:nvSpPr>
+        <p:spPr>
+          <a:xfrm>
+            <a:off x="7368361" y="4008495"/>
+            <a:ext cx="4005455" cy="1477328"/>
+          </a:xfrm>
+          <a:prstGeom prst="rect">
+            <a:avLst/>
+          </a:prstGeom>
+          <a:noFill/>
+        </p:spPr>
+        <p:txBody>
+          <a:bodyPr wrap="none" rtlCol="0">
+            <a:spAutoFit/>
+          </a:bodyPr>
+          <a:lstStyle/>
+          <a:p>
+            <a:r>
+              <a:rPr lang="en-US" dirty="0"/>
+              <a:t>[</a:t>
+            </a:r>
+            <a:r>
+              <a:rPr lang="en-US" b="1" dirty="0"/>
+              <a:t>Authorize(Roles = "</a:t>
+            </a:r>
+            <a:r>
+              <a:rPr lang="en-US" b="1" dirty="0" err="1"/>
+              <a:t>EmployeeViewer</a:t>
+            </a:r>
+            <a:r>
+              <a:rPr lang="en-US" b="1" dirty="0"/>
+              <a:t>")] </a:t>
+            </a:r>
+            <a:endParaRPr lang="ro-RO" b="1" dirty="0"/>
+          </a:p>
+          <a:p>
+            <a:r>
+              <a:rPr lang="en-US" dirty="0"/>
+              <a:t>public </a:t>
+            </a:r>
+            <a:r>
+              <a:rPr lang="en-US" dirty="0" err="1"/>
+              <a:t>ActionResult</a:t>
+            </a:r>
+            <a:r>
+              <a:rPr lang="en-US" dirty="0"/>
+              <a:t> Details(</a:t>
+            </a:r>
+            <a:r>
+              <a:rPr lang="en-US" dirty="0" err="1"/>
+              <a:t>int</a:t>
+            </a:r>
+            <a:r>
+              <a:rPr lang="en-US" dirty="0"/>
+              <a:t> id) </a:t>
+            </a:r>
+            <a:endParaRPr lang="ro-RO" dirty="0"/>
+          </a:p>
+          <a:p>
+            <a:r>
+              <a:rPr lang="en-US" dirty="0"/>
+              <a:t>{ </a:t>
+            </a:r>
+            <a:endParaRPr lang="ro-RO" dirty="0"/>
+          </a:p>
+          <a:p>
+            <a:r>
+              <a:rPr lang="ro-RO" dirty="0"/>
+              <a:t>	</a:t>
+            </a:r>
+            <a:r>
+              <a:rPr lang="en-US" dirty="0"/>
+              <a:t>// Action logic</a:t>
+            </a:r>
+            <a:endParaRPr lang="ro-RO" dirty="0"/>
+          </a:p>
+          <a:p>
+            <a:r>
+              <a:rPr lang="en-US" dirty="0"/>
+              <a:t> }</a:t>
+            </a:r>
+          </a:p>
+        </p:txBody>
+      </p:sp>
+      <p:cxnSp>
+        <p:nvCxnSpPr>
+          <p:cNvPr id="7" name="Straight Connector 6"/>
+          <p:cNvCxnSpPr/>
+          <p:nvPr/>
+        </p:nvCxnSpPr>
+        <p:spPr>
+          <a:xfrm>
+            <a:off x="6432701" y="3870241"/>
+            <a:ext cx="0" cy="2254124"/>
+          </a:xfrm>
+          <a:prstGeom prst="line">
+            <a:avLst/>
+          </a:prstGeom>
+        </p:spPr>
+        <p:style>
+          <a:lnRef idx="1">
+            <a:schemeClr val="accent1"/>
+          </a:lnRef>
+          <a:fillRef idx="0">
+            <a:schemeClr val="accent1"/>
+          </a:fillRef>
+          <a:effectRef idx="0">
+            <a:schemeClr val="accent1"/>
+          </a:effectRef>
+          <a:fontRef idx="minor">
+            <a:schemeClr val="tx1"/>
+          </a:fontRef>
+        </p:style>
+      </p:cxnSp>
+    </p:spTree>
+    <p:extLst>
+      <p:ext uri="{BB962C8B-B14F-4D97-AF65-F5344CB8AC3E}">
+        <p14:creationId xmlns:p14="http://schemas.microsoft.com/office/powerpoint/2010/main" val="1075925365"/>
+      </p:ext>
+    </p:extLst>
+  </p:cSld>
+  <p:clrMapOvr>
+    <a:masterClrMapping/>
+  </p:clrMapOvr>
+  <mc:AlternateContent xmlns:mc="http://schemas.openxmlformats.org/markup-compatibility/2006" xmlns:p14="http://schemas.microsoft.com/office/powerpoint/2010/main">
+    <mc:Choice Requires="p14">
+      <p:transition spd="med" p14:dur="700">
+        <p:fade/>
+      </p:transition>
+    </mc:Choice>
+    <mc:Fallback xmlns="">
+      <p:transition spd="med">
+        <p:fade/>
+      </p:transition>
+    </mc:Fallback>
+  </mc:AlternateContent>
+</p:sld>
+</file>
+
+<file path=ppt/slides/slide73.xml><?xml version="1.0" encoding="utf-8"?>
+<p:sld xmlns:a="http://schemas.openxmlformats.org/drawingml/2006/main" xmlns:r="http://schemas.openxmlformats.org/officeDocument/2006/relationships" xmlns:p="http://schemas.openxmlformats.org/presentationml/2006/main">
+  <p:cSld>
+    <p:spTree>
+      <p:nvGrpSpPr>
+        <p:cNvPr id="1" name=""/>
+        <p:cNvGrpSpPr/>
+        <p:nvPr/>
+      </p:nvGrpSpPr>
+      <p:grpSpPr>
+        <a:xfrm>
+          <a:off x="0" y="0"/>
+          <a:ext cx="0" cy="0"/>
+          <a:chOff x="0" y="0"/>
+          <a:chExt cx="0" cy="0"/>
+        </a:xfrm>
+      </p:grpSpPr>
+      <p:sp>
+        <p:nvSpPr>
+          <p:cNvPr id="2" name="Title 1"/>
+          <p:cNvSpPr>
+            <a:spLocks noGrp="1"/>
+          </p:cNvSpPr>
+          <p:nvPr>
+            <p:ph type="title"/>
+          </p:nvPr>
+        </p:nvSpPr>
+        <p:spPr/>
+        <p:txBody>
+          <a:bodyPr/>
+          <a:lstStyle/>
+          <a:p>
+            <a:r>
+              <a:rPr lang="en-US" dirty="0"/>
+              <a:t>Security Attributes</a:t>
+            </a:r>
+          </a:p>
+        </p:txBody>
+      </p:sp>
+      <p:sp>
+        <p:nvSpPr>
+          <p:cNvPr id="3" name="Content Placeholder 2"/>
+          <p:cNvSpPr>
+            <a:spLocks noGrp="1"/>
+          </p:cNvSpPr>
+          <p:nvPr>
+            <p:ph idx="1"/>
+          </p:nvPr>
+        </p:nvSpPr>
+        <p:spPr/>
+        <p:txBody>
+          <a:bodyPr/>
+          <a:lstStyle/>
+          <a:p>
+            <a:r>
+              <a:rPr lang="en-US" b="1" dirty="0"/>
+              <a:t>[</a:t>
+            </a:r>
+            <a:r>
+              <a:rPr lang="ro-RO" b="1" dirty="0" err="1"/>
+              <a:t>AuthorizeAttribute</a:t>
+            </a:r>
+            <a:r>
+              <a:rPr lang="en-US" b="1" dirty="0"/>
+              <a:t>]</a:t>
+            </a:r>
+          </a:p>
+          <a:p>
+            <a:pPr lvl="1"/>
+            <a:r>
+              <a:rPr lang="ro-RO" dirty="0"/>
+              <a:t>c</a:t>
+            </a:r>
+            <a:r>
+              <a:rPr lang="en-US" dirty="0" err="1"/>
+              <a:t>ontroleaz</a:t>
+            </a:r>
+            <a:r>
+              <a:rPr lang="ro-RO" dirty="0"/>
+              <a:t>ă accesul la o acțiune din cadrul unui controller</a:t>
+            </a:r>
+          </a:p>
+          <a:p>
+            <a:pPr lvl="1"/>
+            <a:r>
+              <a:rPr lang="en-US" dirty="0"/>
+              <a:t>p</a:t>
+            </a:r>
+            <a:r>
+              <a:rPr lang="ro-RO" dirty="0" err="1"/>
+              <a:t>roprietăți</a:t>
+            </a:r>
+            <a:r>
+              <a:rPr lang="en-US" dirty="0"/>
+              <a:t>: Roles, Users</a:t>
+            </a:r>
+            <a:endParaRPr lang="ro-RO" dirty="0"/>
+          </a:p>
+          <a:p>
+            <a:pPr lvl="1"/>
+            <a:r>
+              <a:rPr lang="ro-RO" dirty="0"/>
+              <a:t>dezactivează automat facilitățile de </a:t>
+            </a:r>
+            <a:r>
+              <a:rPr lang="ro-RO" dirty="0" err="1"/>
+              <a:t>caching</a:t>
+            </a:r>
+            <a:endParaRPr lang="ro-RO" dirty="0"/>
+          </a:p>
+          <a:p>
+            <a:r>
+              <a:rPr lang="en-US" b="1" dirty="0"/>
+              <a:t>[</a:t>
+            </a:r>
+            <a:r>
+              <a:rPr lang="en-US" b="1" dirty="0" err="1"/>
+              <a:t>AllowAnonymous</a:t>
+            </a:r>
+            <a:r>
+              <a:rPr lang="en-US" b="1" dirty="0"/>
+              <a:t>]</a:t>
+            </a:r>
+          </a:p>
+          <a:p>
+            <a:pPr lvl="1"/>
+            <a:r>
+              <a:rPr lang="ro-RO" dirty="0" err="1"/>
+              <a:t>m</a:t>
+            </a:r>
+            <a:r>
+              <a:rPr lang="en-US" dirty="0" err="1"/>
+              <a:t>archeaz</a:t>
+            </a:r>
+            <a:r>
+              <a:rPr lang="ro-RO" dirty="0"/>
+              <a:t>ă acțiunea ca făcând excepție de la regulile de securitate</a:t>
+            </a:r>
+            <a:r>
+              <a:rPr lang="en-US" dirty="0"/>
+              <a:t>;</a:t>
+            </a:r>
+          </a:p>
+          <a:p>
+            <a:pPr lvl="1"/>
+            <a:r>
+              <a:rPr lang="en-US" dirty="0" err="1"/>
+              <a:t>permite</a:t>
+            </a:r>
+            <a:r>
+              <a:rPr lang="en-US" dirty="0"/>
+              <a:t> </a:t>
+            </a:r>
+            <a:r>
+              <a:rPr lang="en-US" dirty="0" err="1"/>
+              <a:t>apelul</a:t>
+            </a:r>
+            <a:r>
+              <a:rPr lang="en-US" dirty="0"/>
+              <a:t> ac</a:t>
+            </a:r>
+            <a:r>
+              <a:rPr lang="ro-RO" dirty="0" err="1"/>
+              <a:t>țiunii</a:t>
+            </a:r>
+            <a:r>
+              <a:rPr lang="ro-RO" dirty="0"/>
+              <a:t> de utilizatori neautentificați.</a:t>
+            </a:r>
+          </a:p>
+        </p:txBody>
+      </p:sp>
+    </p:spTree>
+    <p:extLst>
+      <p:ext uri="{BB962C8B-B14F-4D97-AF65-F5344CB8AC3E}">
+        <p14:creationId xmlns:p14="http://schemas.microsoft.com/office/powerpoint/2010/main" val="819500315"/>
+      </p:ext>
+    </p:extLst>
+  </p:cSld>
+  <p:clrMapOvr>
+    <a:masterClrMapping/>
+  </p:clrMapOvr>
+  <mc:AlternateContent xmlns:mc="http://schemas.openxmlformats.org/markup-compatibility/2006" xmlns:p14="http://schemas.microsoft.com/office/powerpoint/2010/main">
+    <mc:Choice Requires="p14">
+      <p:transition spd="med" p14:dur="700">
+        <p:fade/>
+      </p:transition>
+    </mc:Choice>
+    <mc:Fallback xmlns="">
+      <p:transition spd="med">
+        <p:fade/>
+      </p:transition>
+    </mc:Fallback>
+  </mc:AlternateContent>
+</p:sld>
+</file>
+
+<file path=ppt/slides/slide74.xml><?xml version="1.0" encoding="utf-8"?>
+<p:sld xmlns:a="http://schemas.openxmlformats.org/drawingml/2006/main" xmlns:r="http://schemas.openxmlformats.org/officeDocument/2006/relationships" xmlns:p="http://schemas.openxmlformats.org/presentationml/2006/main">
+  <p:cSld>
+    <p:spTree>
+      <p:nvGrpSpPr>
+        <p:cNvPr id="1" name=""/>
+        <p:cNvGrpSpPr/>
+        <p:nvPr/>
+      </p:nvGrpSpPr>
+      <p:grpSpPr>
+        <a:xfrm>
+          <a:off x="0" y="0"/>
+          <a:ext cx="0" cy="0"/>
+          <a:chOff x="0" y="0"/>
+          <a:chExt cx="0" cy="0"/>
+        </a:xfrm>
+      </p:grpSpPr>
+      <p:sp>
+        <p:nvSpPr>
+          <p:cNvPr id="2" name="Title 1"/>
+          <p:cNvSpPr>
+            <a:spLocks noGrp="1"/>
+          </p:cNvSpPr>
+          <p:nvPr>
+            <p:ph type="title"/>
+          </p:nvPr>
+        </p:nvSpPr>
+        <p:spPr/>
+        <p:txBody>
+          <a:bodyPr/>
+          <a:lstStyle/>
+          <a:p>
+            <a:r>
+              <a:rPr lang="en-US" dirty="0"/>
+              <a:t>Security Attributes</a:t>
+            </a:r>
+          </a:p>
+        </p:txBody>
+      </p:sp>
+      <p:sp>
+        <p:nvSpPr>
+          <p:cNvPr id="3" name="Content Placeholder 2"/>
+          <p:cNvSpPr>
+            <a:spLocks noGrp="1"/>
+          </p:cNvSpPr>
+          <p:nvPr>
+            <p:ph idx="1"/>
+          </p:nvPr>
+        </p:nvSpPr>
+        <p:spPr/>
+        <p:txBody>
+          <a:bodyPr/>
+          <a:lstStyle/>
+          <a:p>
+            <a:r>
+              <a:rPr lang="en-US" b="1" dirty="0"/>
+              <a:t>[</a:t>
+            </a:r>
+            <a:r>
+              <a:rPr lang="en-US" b="1" dirty="0" err="1"/>
+              <a:t>RequireHttpsAttribute</a:t>
+            </a:r>
+            <a:r>
+              <a:rPr lang="en-US" b="1" dirty="0"/>
+              <a:t>]</a:t>
+            </a:r>
+            <a:endParaRPr lang="ro-RO" b="1" dirty="0"/>
+          </a:p>
+          <a:p>
+            <a:pPr lvl="1"/>
+            <a:r>
+              <a:rPr lang="ro-RO" dirty="0"/>
+              <a:t>asigură utilizarea </a:t>
+            </a:r>
+            <a:r>
+              <a:rPr lang="ro-RO" dirty="0" err="1"/>
+              <a:t>https</a:t>
+            </a:r>
+            <a:r>
+              <a:rPr lang="ro-RO" dirty="0"/>
+              <a:t> pentru apelul acțiunii.</a:t>
+            </a:r>
+            <a:endParaRPr lang="en-US" dirty="0"/>
+          </a:p>
+          <a:p>
+            <a:r>
+              <a:rPr lang="en-US" b="1" dirty="0"/>
+              <a:t>[</a:t>
+            </a:r>
+            <a:r>
+              <a:rPr lang="en-US" b="1" dirty="0" err="1"/>
+              <a:t>ValidateAntiForgeryTokenAttribute</a:t>
+            </a:r>
+            <a:r>
+              <a:rPr lang="en-US" b="1" dirty="0"/>
+              <a:t>]</a:t>
+            </a:r>
+            <a:endParaRPr lang="ro-RO" b="1" dirty="0"/>
+          </a:p>
+          <a:p>
+            <a:pPr lvl="1"/>
+            <a:r>
+              <a:rPr lang="ro-RO" dirty="0"/>
+              <a:t>asigură utilizarea unui </a:t>
+            </a:r>
+            <a:r>
+              <a:rPr lang="ro-RO" dirty="0" err="1"/>
+              <a:t>token</a:t>
+            </a:r>
+            <a:r>
+              <a:rPr lang="ro-RO" dirty="0"/>
+              <a:t> </a:t>
+            </a:r>
+            <a:r>
+              <a:rPr lang="ro-RO" dirty="0" err="1"/>
+              <a:t>anti-forgery</a:t>
+            </a:r>
+            <a:r>
+              <a:rPr lang="ro-RO" dirty="0"/>
+              <a:t>.</a:t>
+            </a:r>
+            <a:endParaRPr lang="en-US" dirty="0"/>
+          </a:p>
+          <a:p>
+            <a:endParaRPr lang="en-US" dirty="0"/>
+          </a:p>
+        </p:txBody>
+      </p:sp>
+    </p:spTree>
+    <p:extLst>
+      <p:ext uri="{BB962C8B-B14F-4D97-AF65-F5344CB8AC3E}">
+        <p14:creationId xmlns:p14="http://schemas.microsoft.com/office/powerpoint/2010/main" val="39164458"/>
+      </p:ext>
+    </p:extLst>
+  </p:cSld>
+  <p:clrMapOvr>
+    <a:masterClrMapping/>
+  </p:clrMapOvr>
+  <mc:AlternateContent xmlns:mc="http://schemas.openxmlformats.org/markup-compatibility/2006" xmlns:p14="http://schemas.microsoft.com/office/powerpoint/2010/main">
+    <mc:Choice Requires="p14">
+      <p:transition spd="med" p14:dur="700">
+        <p:fade/>
+      </p:transition>
+    </mc:Choice>
+    <mc:Fallback xmlns="">
+      <p:transition spd="med">
+        <p:fade/>
+      </p:transition>
+    </mc:Fallback>
+  </mc:AlternateContent>
+</p:sld>
+</file>
+
+<file path=ppt/slides/slide75.xml><?xml version="1.0" encoding="utf-8"?>
+<p:sld xmlns:a="http://schemas.openxmlformats.org/drawingml/2006/main" xmlns:r="http://schemas.openxmlformats.org/officeDocument/2006/relationships" xmlns:p="http://schemas.openxmlformats.org/presentationml/2006/main">
+  <p:cSld>
+    <p:spTree>
+      <p:nvGrpSpPr>
+        <p:cNvPr id="1" name=""/>
+        <p:cNvGrpSpPr/>
+        <p:nvPr/>
+      </p:nvGrpSpPr>
+      <p:grpSpPr>
+        <a:xfrm>
+          <a:off x="0" y="0"/>
+          <a:ext cx="0" cy="0"/>
+          <a:chOff x="0" y="0"/>
+          <a:chExt cx="0" cy="0"/>
+        </a:xfrm>
+      </p:grpSpPr>
+      <p:sp>
+        <p:nvSpPr>
+          <p:cNvPr id="2" name="Title 1"/>
+          <p:cNvSpPr>
+            <a:spLocks noGrp="1"/>
+          </p:cNvSpPr>
+          <p:nvPr>
+            <p:ph type="title"/>
+          </p:nvPr>
+        </p:nvSpPr>
+        <p:spPr/>
+        <p:txBody>
+          <a:bodyPr/>
+          <a:lstStyle/>
+          <a:p>
+            <a:r>
+              <a:rPr lang="en-US" dirty="0"/>
+              <a:t>Cross-Site Request forgery</a:t>
+            </a:r>
+            <a:endParaRPr lang="ro-RO" dirty="0"/>
+          </a:p>
+        </p:txBody>
+      </p:sp>
+      <p:sp>
+        <p:nvSpPr>
+          <p:cNvPr id="3" name="Content Placeholder 2"/>
+          <p:cNvSpPr>
+            <a:spLocks noGrp="1"/>
+          </p:cNvSpPr>
+          <p:nvPr>
+            <p:ph idx="1"/>
+          </p:nvPr>
+        </p:nvSpPr>
+        <p:spPr/>
+        <p:txBody>
+          <a:bodyPr/>
+          <a:lstStyle/>
+          <a:p>
+            <a:r>
+              <a:rPr lang="en-US" dirty="0"/>
+              <a:t>A malicious site can send POST/GET requests to the attacked site (in which the user is authenticated).</a:t>
+            </a:r>
+          </a:p>
+          <a:p>
+            <a:endParaRPr lang="en-US" dirty="0"/>
+          </a:p>
+          <a:p>
+            <a:r>
+              <a:rPr lang="en-US" b="1" dirty="0"/>
+              <a:t>Solutions:</a:t>
+            </a:r>
+          </a:p>
+          <a:p>
+            <a:pPr>
+              <a:buFont typeface="Wingdings" pitchFamily="2" charset="2"/>
+              <a:buChar char="§"/>
+            </a:pPr>
+            <a:r>
+              <a:rPr lang="en-US" dirty="0"/>
+              <a:t>Validate incoming HTTP Referrer; </a:t>
+            </a:r>
+            <a:r>
+              <a:rPr lang="en-US" b="1" dirty="0"/>
+              <a:t>[</a:t>
+            </a:r>
+            <a:r>
+              <a:rPr lang="en-US" b="1" dirty="0" err="1"/>
+              <a:t>ValidateAntiForgeryTokenAttribute</a:t>
+            </a:r>
+            <a:r>
+              <a:rPr lang="en-US" b="1" dirty="0"/>
+              <a:t>]</a:t>
+            </a:r>
+            <a:endParaRPr lang="ro-RO" b="1" dirty="0"/>
+          </a:p>
+          <a:p>
+            <a:pPr>
+              <a:buFont typeface="Wingdings" pitchFamily="2" charset="2"/>
+              <a:buChar char="§"/>
+            </a:pPr>
+            <a:endParaRPr lang="en-US" dirty="0"/>
+          </a:p>
+          <a:p>
+            <a:pPr>
+              <a:buFont typeface="Wingdings" pitchFamily="2" charset="2"/>
+              <a:buChar char="§"/>
+            </a:pPr>
+            <a:r>
+              <a:rPr lang="en-US" dirty="0"/>
+              <a:t>Require a user-specific password for sensitive operations (ex: password).</a:t>
+            </a:r>
+            <a:endParaRPr lang="ro-RO" dirty="0"/>
+          </a:p>
+        </p:txBody>
+      </p:sp>
+      <p:sp>
+        <p:nvSpPr>
+          <p:cNvPr id="4" name="Slide Number Placeholder 3"/>
+          <p:cNvSpPr>
+            <a:spLocks noGrp="1"/>
+          </p:cNvSpPr>
+          <p:nvPr>
+            <p:ph type="sldNum" sz="quarter" idx="4294967295"/>
+          </p:nvPr>
+        </p:nvSpPr>
+        <p:spPr>
+          <a:xfrm rot="16200000">
+            <a:off x="9751378" y="5885498"/>
+            <a:ext cx="1315721" cy="365125"/>
+          </a:xfrm>
+          <a:prstGeom prst="rect">
+            <a:avLst/>
+          </a:prstGeom>
+        </p:spPr>
+        <p:txBody>
+          <a:bodyPr/>
+          <a:lstStyle/>
+          <a:p>
+            <a:fld id="{3D0EABDB-165B-42B4-9911-69E75C24C06B}" type="slidenum">
+              <a:rPr lang="ro-RO" smtClean="0"/>
+              <a:pPr/>
+              <a:t>75</a:t>
+            </a:fld>
+            <a:endParaRPr lang="ro-RO" dirty="0"/>
+          </a:p>
+        </p:txBody>
+      </p:sp>
+    </p:spTree>
+    <p:extLst>
+      <p:ext uri="{BB962C8B-B14F-4D97-AF65-F5344CB8AC3E}">
+        <p14:creationId xmlns:p14="http://schemas.microsoft.com/office/powerpoint/2010/main" val="3580761977"/>
+      </p:ext>
+    </p:extLst>
+  </p:cSld>
+  <p:clrMapOvr>
+    <a:masterClrMapping/>
+  </p:clrMapOvr>
+  <mc:AlternateContent xmlns:mc="http://schemas.openxmlformats.org/markup-compatibility/2006" xmlns:p14="http://schemas.microsoft.com/office/powerpoint/2010/main">
+    <mc:Choice Requires="p14">
+      <p:transition spd="med" p14:dur="700">
+        <p:fade/>
+      </p:transition>
+    </mc:Choice>
+    <mc:Fallback xmlns="">
+      <p:transition spd="med">
+        <p:fade/>
+      </p:transition>
+    </mc:Fallback>
+  </mc:AlternateContent>
+</p:sld>
+</file>
+
+<file path=ppt/slides/slide76.xml><?xml version="1.0" encoding="utf-8"?>
+<p:sld xmlns:a="http://schemas.openxmlformats.org/drawingml/2006/main" xmlns:r="http://schemas.openxmlformats.org/officeDocument/2006/relationships" xmlns:p="http://schemas.openxmlformats.org/presentationml/2006/main">
+  <p:cSld>
+    <p:spTree>
+      <p:nvGrpSpPr>
+        <p:cNvPr id="1" name=""/>
+        <p:cNvGrpSpPr/>
+        <p:nvPr/>
+      </p:nvGrpSpPr>
+      <p:grpSpPr>
+        <a:xfrm>
+          <a:off x="0" y="0"/>
+          <a:ext cx="0" cy="0"/>
+          <a:chOff x="0" y="0"/>
+          <a:chExt cx="0" cy="0"/>
+        </a:xfrm>
+      </p:grpSpPr>
+      <p:sp>
+        <p:nvSpPr>
+          <p:cNvPr id="2" name="Title 1"/>
+          <p:cNvSpPr>
+            <a:spLocks noGrp="1"/>
+          </p:cNvSpPr>
+          <p:nvPr>
+            <p:ph type="title"/>
+          </p:nvPr>
+        </p:nvSpPr>
+        <p:spPr/>
+        <p:txBody>
+          <a:bodyPr/>
+          <a:lstStyle/>
+          <a:p>
+            <a:r>
+              <a:rPr lang="en-US" dirty="0"/>
+              <a:t>General recommendations</a:t>
+            </a:r>
+            <a:endParaRPr lang="ro-RO" dirty="0"/>
+          </a:p>
+        </p:txBody>
+      </p:sp>
+      <p:sp>
+        <p:nvSpPr>
+          <p:cNvPr id="3" name="Content Placeholder 2"/>
+          <p:cNvSpPr>
+            <a:spLocks noGrp="1"/>
+          </p:cNvSpPr>
+          <p:nvPr>
+            <p:ph idx="1"/>
+          </p:nvPr>
+        </p:nvSpPr>
+        <p:spPr/>
+        <p:txBody>
+          <a:bodyPr/>
+          <a:lstStyle/>
+          <a:p>
+            <a:pPr>
+              <a:buFont typeface="Wingdings" pitchFamily="2" charset="2"/>
+              <a:buChar char="§"/>
+            </a:pPr>
+            <a:r>
+              <a:rPr lang="en-US" dirty="0"/>
+              <a:t>Only </a:t>
+            </a:r>
+            <a:r>
+              <a:rPr lang="en-US" b="1" dirty="0"/>
+              <a:t>Action</a:t>
+            </a:r>
+            <a:r>
+              <a:rPr lang="en-US" dirty="0"/>
+              <a:t> methods should be </a:t>
+            </a:r>
+            <a:r>
+              <a:rPr lang="en-US" b="1" dirty="0"/>
+              <a:t>public</a:t>
+            </a:r>
+            <a:r>
+              <a:rPr lang="en-US" dirty="0"/>
+              <a:t> in </a:t>
+            </a:r>
+            <a:r>
+              <a:rPr lang="en-US" b="1" dirty="0"/>
+              <a:t>controller</a:t>
+            </a:r>
+            <a:r>
+              <a:rPr lang="en-US" dirty="0"/>
+              <a:t> classes. The </a:t>
+            </a:r>
+            <a:r>
+              <a:rPr lang="en-US" b="1" dirty="0"/>
+              <a:t>[</a:t>
+            </a:r>
+            <a:r>
+              <a:rPr lang="en-US" b="1" dirty="0" err="1"/>
+              <a:t>NonAction</a:t>
+            </a:r>
+            <a:r>
+              <a:rPr lang="en-US" b="1" dirty="0"/>
+              <a:t>] </a:t>
+            </a:r>
+            <a:r>
+              <a:rPr lang="en-US" dirty="0"/>
+              <a:t>attribute can also be used to hide public methods.</a:t>
+            </a:r>
+          </a:p>
+          <a:p>
+            <a:pPr>
+              <a:buFont typeface="Wingdings" pitchFamily="2" charset="2"/>
+              <a:buChar char="§"/>
+            </a:pPr>
+            <a:endParaRPr lang="en-US" dirty="0"/>
+          </a:p>
+          <a:p>
+            <a:pPr>
+              <a:buFont typeface="Wingdings" pitchFamily="2" charset="2"/>
+              <a:buChar char="§"/>
+            </a:pPr>
+            <a:r>
+              <a:rPr lang="en-US" dirty="0"/>
+              <a:t>Implicit </a:t>
+            </a:r>
+            <a:r>
+              <a:rPr lang="en-US" b="1" dirty="0"/>
+              <a:t>model binding </a:t>
+            </a:r>
+            <a:r>
+              <a:rPr lang="en-US" dirty="0"/>
+              <a:t>can be used by attackers to modify unintended data.</a:t>
+            </a:r>
+            <a:endParaRPr lang="ro-RO" dirty="0"/>
+          </a:p>
+        </p:txBody>
+      </p:sp>
+      <p:sp>
+        <p:nvSpPr>
+          <p:cNvPr id="4" name="Slide Number Placeholder 3"/>
+          <p:cNvSpPr>
+            <a:spLocks noGrp="1"/>
+          </p:cNvSpPr>
+          <p:nvPr>
+            <p:ph type="sldNum" sz="quarter" idx="4294967295"/>
+          </p:nvPr>
+        </p:nvSpPr>
+        <p:spPr>
+          <a:xfrm rot="16200000">
+            <a:off x="9751378" y="5885498"/>
+            <a:ext cx="1315721" cy="365125"/>
+          </a:xfrm>
+          <a:prstGeom prst="rect">
+            <a:avLst/>
+          </a:prstGeom>
+        </p:spPr>
+        <p:txBody>
+          <a:bodyPr/>
+          <a:lstStyle/>
+          <a:p>
+            <a:fld id="{3D0EABDB-165B-42B4-9911-69E75C24C06B}" type="slidenum">
+              <a:rPr lang="ro-RO" smtClean="0"/>
+              <a:pPr/>
+              <a:t>76</a:t>
+            </a:fld>
+            <a:endParaRPr lang="ro-RO" dirty="0"/>
+          </a:p>
+        </p:txBody>
+      </p:sp>
+    </p:spTree>
+    <p:extLst>
+      <p:ext uri="{BB962C8B-B14F-4D97-AF65-F5344CB8AC3E}">
+        <p14:creationId xmlns:p14="http://schemas.microsoft.com/office/powerpoint/2010/main" val="1891420182"/>
+      </p:ext>
+    </p:extLst>
+  </p:cSld>
+  <p:clrMapOvr>
+    <a:masterClrMapping/>
+  </p:clrMapOvr>
+  <mc:AlternateContent xmlns:mc="http://schemas.openxmlformats.org/markup-compatibility/2006" xmlns:p14="http://schemas.microsoft.com/office/powerpoint/2010/main">
+    <mc:Choice Requires="p14">
+      <p:transition spd="med" p14:dur="700">
+        <p:fade/>
+      </p:transition>
+    </mc:Choice>
+    <mc:Fallback xmlns="">
+      <p:transition spd="med">
+        <p:fade/>
+      </p:transition>
+    </mc:Fallback>
+  </mc:AlternateContent>
+</p:sld>
+</file>
+
+<file path=ppt/slides/slide77.xml><?xml version="1.0" encoding="utf-8"?>
+<p:sld xmlns:a="http://schemas.openxmlformats.org/drawingml/2006/main" xmlns:r="http://schemas.openxmlformats.org/officeDocument/2006/relationships" xmlns:p="http://schemas.openxmlformats.org/presentationml/2006/main">
+  <p:cSld>
+    <p:spTree>
+      <p:nvGrpSpPr>
+        <p:cNvPr id="1" name=""/>
+        <p:cNvGrpSpPr/>
+        <p:nvPr/>
+      </p:nvGrpSpPr>
+      <p:grpSpPr>
+        <a:xfrm>
+          <a:off x="0" y="0"/>
+          <a:ext cx="0" cy="0"/>
+          <a:chOff x="0" y="0"/>
+          <a:chExt cx="0" cy="0"/>
+        </a:xfrm>
+      </p:grpSpPr>
+      <p:sp>
+        <p:nvSpPr>
+          <p:cNvPr id="4" name="Title 3"/>
+          <p:cNvSpPr>
+            <a:spLocks noGrp="1"/>
+          </p:cNvSpPr>
+          <p:nvPr>
+            <p:ph type="title"/>
+          </p:nvPr>
+        </p:nvSpPr>
+        <p:spPr/>
+        <p:txBody>
+          <a:bodyPr/>
+          <a:lstStyle/>
+          <a:p>
+            <a:r>
+              <a:rPr lang="en-US" dirty="0"/>
+              <a:t>Thank you!</a:t>
+            </a:r>
+          </a:p>
+        </p:txBody>
+      </p:sp>
+    </p:spTree>
+    <p:extLst>
+      <p:ext uri="{BB962C8B-B14F-4D97-AF65-F5344CB8AC3E}">
+        <p14:creationId xmlns:p14="http://schemas.microsoft.com/office/powerpoint/2010/main" val="3366205155"/>
+      </p:ext>
+    </p:extLst>
+  </p:cSld>
+  <p:clrMapOvr>
+    <a:masterClrMapping/>
+  </p:clrMapOvr>
+  <mc:AlternateContent xmlns:mc="http://schemas.openxmlformats.org/markup-compatibility/2006" xmlns:p14="http://schemas.microsoft.com/office/powerpoint/2010/main">
+    <mc:Choice Requires="p14">
+      <p:transition spd="med" p14:dur="700" advClick="0" advTm="1500">
+        <p:fade/>
+      </p:transition>
+    </mc:Choice>
+    <mc:Fallback xmlns="">
+      <p:transition spd="med" advClick="0" advTm="1500">
         <p:fade/>
       </p:transition>
     </mc:Fallback>

--- a/Presentation.pptx
+++ b/Presentation.pptx
@@ -316,6 +316,10 @@
 </p:presentation>
 </file>
 
+<file path=ppt/revisionInfo.xml><?xml version="1.0" encoding="utf-8"?>
+<p1510:revInfo xmlns:a="http://schemas.openxmlformats.org/drawingml/2006/main" xmlns:r="http://schemas.openxmlformats.org/officeDocument/2006/relationships" xmlns:p1510="http://schemas.microsoft.com/office/powerpoint/2015/10/main"/>
+</file>
+
 <file path=ppt/handoutMasters/handoutMaster1.xml><?xml version="1.0" encoding="utf-8"?>
 <p:handoutMaster xmlns:a="http://schemas.openxmlformats.org/drawingml/2006/main" xmlns:r="http://schemas.openxmlformats.org/officeDocument/2006/relationships" xmlns:p="http://schemas.openxmlformats.org/presentationml/2006/main">
   <p:cSld>
@@ -563,7 +567,7 @@
           <a:p>
             <a:fld id="{AA161301-18C9-4CA0-A0BF-791B6E0DDD4D}" type="datetimeFigureOut">
               <a:rPr lang="en-GB" smtClean="0"/>
-              <a:t>20/05/2017</a:t>
+              <a:t>21/05/2017</a:t>
             </a:fld>
             <a:endParaRPr lang="en-GB"/>
           </a:p>
@@ -17364,7 +17368,7 @@
           <p:nvPr/>
         </p:nvPicPr>
         <p:blipFill>
-          <a:blip r:embed="rId4">
+          <a:blip r:embed="rId4" cstate="print">
             <a:extLst>
               <a:ext uri="{28A0092B-C50C-407E-A947-70E740481C1C}">
                 <a14:useLocalDpi xmlns:a14="http://schemas.microsoft.com/office/drawing/2010/main" val="0"/>
@@ -18818,7 +18822,7 @@
           <p:nvPr/>
         </p:nvPicPr>
         <p:blipFill>
-          <a:blip r:embed="rId3">
+          <a:blip r:embed="rId3" cstate="print">
             <a:extLst>
               <a:ext uri="{28A0092B-C50C-407E-A947-70E740481C1C}">
                 <a14:useLocalDpi xmlns:a14="http://schemas.microsoft.com/office/drawing/2010/main" val="0"/>
@@ -25726,6 +25730,39 @@
               <a:rPr lang="en-US" dirty="0"/>
               <a:t>Require a user-specific password for sensitive operations (ex: password).</a:t>
             </a:r>
+          </a:p>
+          <a:p>
+            <a:pPr>
+              <a:buFont typeface="Wingdings" pitchFamily="2" charset="2"/>
+              <a:buChar char="§"/>
+            </a:pPr>
+            <a:endParaRPr lang="en-US" dirty="0"/>
+          </a:p>
+          <a:p>
+            <a:pPr>
+              <a:buFont typeface="Wingdings" pitchFamily="2" charset="2"/>
+              <a:buChar char="§"/>
+            </a:pPr>
+            <a:r>
+              <a:rPr lang="en-US"/>
+              <a:t>Further reading: </a:t>
+            </a:r>
+            <a:r>
+              <a:rPr lang="en-US">
+                <a:hlinkClick r:id="rId2"/>
+              </a:rPr>
+              <a:t>https://docs.microsoft.com/en-us/aspnet/mvc/overview/security/xsrfcsrf-prevention-in-aspnet-mvc-and-web-pages</a:t>
+            </a:r>
+            <a:r>
+              <a:rPr lang="en-US"/>
+              <a:t> </a:t>
+            </a:r>
+          </a:p>
+          <a:p>
+            <a:pPr>
+              <a:buFont typeface="Wingdings" pitchFamily="2" charset="2"/>
+              <a:buChar char="§"/>
+            </a:pPr>
             <a:endParaRPr lang="ro-RO" dirty="0"/>
           </a:p>
         </p:txBody>
